--- a/HTML/ppt/06.pptx
+++ b/HTML/ppt/06.pptx
@@ -200,7 +200,7 @@
           <a:p>
             <a:fld id="{AA93C23F-80D8-41F7-A602-5BAA4D96D6F7}" type="datetimeFigureOut">
               <a:rPr lang="ko-KR" altLang="en-US" smtClean="0"/>
-              <a:t>2021-02-06</a:t>
+              <a:t>2021-09-16</a:t>
             </a:fld>
             <a:endParaRPr lang="ko-KR" altLang="en-US"/>
           </a:p>
@@ -299,7 +299,7 @@
           <p:nvPr userDrawn="1"/>
         </p:nvPicPr>
         <p:blipFill rotWithShape="1">
-          <a:blip r:embed="rId3">
+          <a:blip r:embed="rId3" cstate="hqprint">
             <a:extLst>
               <a:ext uri="{28A0092B-C50C-407E-A947-70E740481C1C}">
                 <a14:useLocalDpi xmlns:a14="http://schemas.microsoft.com/office/drawing/2010/main" val="0"/>
@@ -498,7 +498,7 @@
           <a:p>
             <a:fld id="{AA93C23F-80D8-41F7-A602-5BAA4D96D6F7}" type="datetimeFigureOut">
               <a:rPr lang="ko-KR" altLang="en-US" smtClean="0"/>
-              <a:t>2021-02-06</a:t>
+              <a:t>2021-09-16</a:t>
             </a:fld>
             <a:endParaRPr lang="ko-KR" altLang="en-US"/>
           </a:p>
@@ -676,7 +676,7 @@
           <a:p>
             <a:fld id="{AA93C23F-80D8-41F7-A602-5BAA4D96D6F7}" type="datetimeFigureOut">
               <a:rPr lang="ko-KR" altLang="en-US" smtClean="0"/>
-              <a:t>2021-02-06</a:t>
+              <a:t>2021-09-16</a:t>
             </a:fld>
             <a:endParaRPr lang="ko-KR" altLang="en-US"/>
           </a:p>
@@ -884,7 +884,7 @@
           <a:p>
             <a:fld id="{7A0B29D9-43B6-4ACD-848D-FA6E666794B9}" type="datetimeFigureOut">
               <a:rPr lang="ko-KR" altLang="en-US" smtClean="0"/>
-              <a:t>2021-02-06</a:t>
+              <a:t>2021-09-16</a:t>
             </a:fld>
             <a:endParaRPr lang="ko-KR" altLang="en-US"/>
           </a:p>
@@ -1080,7 +1080,7 @@
           <a:p>
             <a:fld id="{AA93C23F-80D8-41F7-A602-5BAA4D96D6F7}" type="datetimeFigureOut">
               <a:rPr lang="ko-KR" altLang="en-US" smtClean="0"/>
-              <a:t>2021-02-06</a:t>
+              <a:t>2021-09-16</a:t>
             </a:fld>
             <a:endParaRPr lang="ko-KR" altLang="en-US"/>
           </a:p>
@@ -1325,7 +1325,7 @@
           <a:p>
             <a:fld id="{AA93C23F-80D8-41F7-A602-5BAA4D96D6F7}" type="datetimeFigureOut">
               <a:rPr lang="ko-KR" altLang="en-US" smtClean="0"/>
-              <a:t>2021-02-06</a:t>
+              <a:t>2021-09-16</a:t>
             </a:fld>
             <a:endParaRPr lang="ko-KR" altLang="en-US"/>
           </a:p>
@@ -1554,7 +1554,7 @@
           <a:p>
             <a:fld id="{AA93C23F-80D8-41F7-A602-5BAA4D96D6F7}" type="datetimeFigureOut">
               <a:rPr lang="ko-KR" altLang="en-US" smtClean="0"/>
-              <a:t>2021-02-06</a:t>
+              <a:t>2021-09-16</a:t>
             </a:fld>
             <a:endParaRPr lang="ko-KR" altLang="en-US"/>
           </a:p>
@@ -1918,7 +1918,7 @@
           <a:p>
             <a:fld id="{AA93C23F-80D8-41F7-A602-5BAA4D96D6F7}" type="datetimeFigureOut">
               <a:rPr lang="ko-KR" altLang="en-US" smtClean="0"/>
-              <a:t>2021-02-06</a:t>
+              <a:t>2021-09-16</a:t>
             </a:fld>
             <a:endParaRPr lang="ko-KR" altLang="en-US"/>
           </a:p>
@@ -2040,7 +2040,7 @@
           <a:p>
             <a:fld id="{AA93C23F-80D8-41F7-A602-5BAA4D96D6F7}" type="datetimeFigureOut">
               <a:rPr lang="ko-KR" altLang="en-US" smtClean="0"/>
-              <a:t>2021-02-06</a:t>
+              <a:t>2021-09-16</a:t>
             </a:fld>
             <a:endParaRPr lang="ko-KR" altLang="en-US"/>
           </a:p>
@@ -2135,7 +2135,7 @@
           <a:p>
             <a:fld id="{AA93C23F-80D8-41F7-A602-5BAA4D96D6F7}" type="datetimeFigureOut">
               <a:rPr lang="ko-KR" altLang="en-US" smtClean="0"/>
-              <a:t>2021-02-06</a:t>
+              <a:t>2021-09-16</a:t>
             </a:fld>
             <a:endParaRPr lang="ko-KR" altLang="en-US"/>
           </a:p>
@@ -2410,7 +2410,7 @@
           <a:p>
             <a:fld id="{AA93C23F-80D8-41F7-A602-5BAA4D96D6F7}" type="datetimeFigureOut">
               <a:rPr lang="ko-KR" altLang="en-US" smtClean="0"/>
-              <a:t>2021-02-06</a:t>
+              <a:t>2021-09-16</a:t>
             </a:fld>
             <a:endParaRPr lang="ko-KR" altLang="en-US"/>
           </a:p>
@@ -2665,7 +2665,7 @@
           <a:p>
             <a:fld id="{AA93C23F-80D8-41F7-A602-5BAA4D96D6F7}" type="datetimeFigureOut">
               <a:rPr lang="ko-KR" altLang="en-US" smtClean="0"/>
-              <a:t>2021-02-06</a:t>
+              <a:t>2021-09-16</a:t>
             </a:fld>
             <a:endParaRPr lang="ko-KR" altLang="en-US"/>
           </a:p>
@@ -2909,7 +2909,7 @@
           <a:p>
             <a:fld id="{AA93C23F-80D8-41F7-A602-5BAA4D96D6F7}" type="datetimeFigureOut">
               <a:rPr lang="ko-KR" altLang="en-US" smtClean="0"/>
-              <a:t>2021-02-06</a:t>
+              <a:t>2021-09-16</a:t>
             </a:fld>
             <a:endParaRPr lang="ko-KR" altLang="en-US"/>
           </a:p>
@@ -4238,6 +4238,12 @@
               </a:rPr>
               <a:t>주의할 것은 스타일의 모든 속성이 부모 요소에서 자식 요소로 상속되는 것은 아니라는 점</a:t>
             </a:r>
+            <a:r>
+              <a:rPr lang="en-US" altLang="ko-KR" sz="1200">
+                <a:latin typeface="+mn-ea"/>
+              </a:rPr>
+              <a:t/>
+            </a:r>
             <a:br>
               <a:rPr lang="en-US" altLang="ko-KR" sz="1200">
                 <a:latin typeface="+mn-ea"/>
@@ -4390,41 +4396,45 @@
                 <a:buChar char="•"/>
               </a:pPr>
               <a:r>
-                <a:rPr lang="en-US" altLang="ko-KR" sz="1400"/>
+                <a:rPr lang="en-US" altLang="ko-KR" sz="1400" dirty="0"/>
                 <a:t>HTML</a:t>
               </a:r>
               <a:r>
-                <a:rPr lang="ko-KR" altLang="en-US" sz="1400"/>
+                <a:rPr lang="ko-KR" altLang="en-US" sz="1400" dirty="0"/>
                 <a:t>로는 웹 사이트의 내용을 나열하고 </a:t>
               </a:r>
               <a:r>
-                <a:rPr lang="en-US" altLang="ko-KR" sz="1400"/>
+                <a:rPr lang="en-US" altLang="ko-KR" sz="1400" dirty="0"/>
                 <a:t>CSS</a:t>
               </a:r>
               <a:r>
-                <a:rPr lang="ko-KR" altLang="en-US" sz="1400"/>
+                <a:rPr lang="ko-KR" altLang="en-US" sz="1400" dirty="0"/>
                 <a:t>로는 웹 문서의 디자인을 구성</a:t>
               </a:r>
+              <a:r>
+                <a:rPr lang="en-US" altLang="ko-KR" sz="1400" dirty="0"/>
+                <a:t/>
+              </a:r>
               <a:br>
-                <a:rPr lang="en-US" altLang="ko-KR" sz="1400"/>
+                <a:rPr lang="en-US" altLang="ko-KR" sz="1400" dirty="0"/>
               </a:br>
               <a:r>
-                <a:rPr lang="en-US" altLang="ko-KR" sz="1400">
+                <a:rPr lang="en-US" altLang="ko-KR" sz="1400" dirty="0">
                   <a:sym typeface="Wingdings" panose="05000000000000000000" pitchFamily="2" charset="2"/>
                 </a:rPr>
                 <a:t> </a:t>
               </a:r>
               <a:r>
-                <a:rPr lang="ko-KR" altLang="en-US" sz="1400">
+                <a:rPr lang="ko-KR" altLang="en-US" sz="1400" dirty="0">
                   <a:sym typeface="Wingdings" panose="05000000000000000000" pitchFamily="2" charset="2"/>
                 </a:rPr>
                 <a:t>스타일을 사용하면 </a:t>
               </a:r>
               <a:r>
-                <a:rPr lang="ko-KR" altLang="en-US" sz="1400"/>
+                <a:rPr lang="ko-KR" altLang="en-US" sz="1400" dirty="0"/>
                 <a:t>웹 문서의 내용과 상관없이 디자인만 바꿀 수 있다</a:t>
               </a:r>
-              <a:endParaRPr lang="en-US" altLang="ko-KR" sz="1400"/>
+              <a:endParaRPr lang="en-US" altLang="ko-KR" sz="1400" dirty="0"/>
             </a:p>
             <a:p>
               <a:pPr marL="285750" indent="-285750">
@@ -4434,7 +4444,7 @@
                 <a:buFont typeface="Arial" panose="020B0604020202020204" pitchFamily="34" charset="0"/>
                 <a:buChar char="•"/>
               </a:pPr>
-              <a:endParaRPr lang="en-US" altLang="ko-KR" sz="1400"/>
+              <a:endParaRPr lang="en-US" altLang="ko-KR" sz="1400" dirty="0"/>
             </a:p>
             <a:p>
               <a:pPr marL="285750" indent="-285750">
@@ -4444,7 +4454,7 @@
                 <a:buFont typeface="Arial" panose="020B0604020202020204" pitchFamily="34" charset="0"/>
                 <a:buChar char="•"/>
               </a:pPr>
-              <a:endParaRPr lang="en-US" altLang="ko-KR" sz="1400"/>
+              <a:endParaRPr lang="en-US" altLang="ko-KR" sz="1400" dirty="0"/>
             </a:p>
             <a:p>
               <a:pPr marL="285750" indent="-285750">
@@ -4454,7 +4464,7 @@
                 <a:buFont typeface="Arial" panose="020B0604020202020204" pitchFamily="34" charset="0"/>
                 <a:buChar char="•"/>
               </a:pPr>
-              <a:endParaRPr lang="en-US" altLang="ko-KR" sz="1400"/>
+              <a:endParaRPr lang="en-US" altLang="ko-KR" sz="1400" dirty="0"/>
             </a:p>
             <a:p>
               <a:pPr marL="285750" indent="-285750">
@@ -4464,7 +4474,7 @@
                 <a:buFont typeface="Arial" panose="020B0604020202020204" pitchFamily="34" charset="0"/>
                 <a:buChar char="•"/>
               </a:pPr>
-              <a:endParaRPr lang="en-US" altLang="ko-KR" sz="1400"/>
+              <a:endParaRPr lang="en-US" altLang="ko-KR" sz="1400" dirty="0"/>
             </a:p>
             <a:p>
               <a:pPr marL="285750" indent="-285750">
@@ -4474,7 +4484,7 @@
                 <a:buFont typeface="Arial" panose="020B0604020202020204" pitchFamily="34" charset="0"/>
                 <a:buChar char="•"/>
               </a:pPr>
-              <a:endParaRPr lang="en-US" altLang="ko-KR" sz="1400"/>
+              <a:endParaRPr lang="en-US" altLang="ko-KR" sz="1400" dirty="0"/>
             </a:p>
             <a:p>
               <a:pPr>
@@ -4482,7 +4492,7 @@
                   <a:spcPct val="150000"/>
                 </a:lnSpc>
               </a:pPr>
-              <a:endParaRPr lang="en-US" altLang="ko-KR" sz="1400"/>
+              <a:endParaRPr lang="en-US" altLang="ko-KR" sz="1400" dirty="0"/>
             </a:p>
           </p:txBody>
         </p:sp>
@@ -4575,6 +4585,10 @@
               <a:r>
                 <a:rPr lang="ko-KR" altLang="en-US" sz="1400"/>
                 <a:t>다양한 기기에 맞게 탄력적으로 바뀌는 문서를 만들 수 있다</a:t>
+              </a:r>
+              <a:r>
+                <a:rPr lang="en-US" altLang="ko-KR" sz="1400"/>
+                <a:t/>
               </a:r>
               <a:br>
                 <a:rPr lang="en-US" altLang="ko-KR" sz="1400"/>
@@ -5386,6 +5400,10 @@
               <a:r>
                 <a:rPr lang="ko-KR" altLang="en-US" sz="1200"/>
                 <a:t>으로 </a:t>
+              </a:r>
+              <a:r>
+                <a:rPr lang="en-US" altLang="ko-KR" sz="1200"/>
+                <a:t/>
               </a:r>
               <a:br>
                 <a:rPr lang="en-US" altLang="ko-KR" sz="1200"/>
@@ -6291,10 +6309,10 @@
               <a:buChar char="•"/>
             </a:pPr>
             <a:r>
-              <a:rPr lang="ko-KR" altLang="en-US" sz="1200"/>
+              <a:rPr lang="ko-KR" altLang="en-US" sz="1200" dirty="0"/>
               <a:t>웹 문서 안에서 사용할 스타일을 문서 안에 정리한 것</a:t>
             </a:r>
-            <a:endParaRPr lang="en-US" altLang="ko-KR" sz="1200"/>
+            <a:endParaRPr lang="en-US" altLang="ko-KR" sz="1200" dirty="0"/>
           </a:p>
           <a:p>
             <a:pPr marL="285750" indent="-285750">
@@ -6305,26 +6323,26 @@
               <a:buChar char="•"/>
             </a:pPr>
             <a:r>
-              <a:rPr lang="ko-KR" altLang="en-US" sz="1200"/>
+              <a:rPr lang="ko-KR" altLang="en-US" sz="1200" dirty="0"/>
               <a:t>모든 스타일 정보는 </a:t>
             </a:r>
             <a:r>
-              <a:rPr lang="en-US" altLang="ko-KR" sz="1200"/>
+              <a:rPr lang="en-US" altLang="ko-KR" sz="1200" dirty="0"/>
               <a:t>&lt;head&gt; </a:t>
             </a:r>
             <a:r>
-              <a:rPr lang="ko-KR" altLang="en-US" sz="1200"/>
+              <a:rPr lang="ko-KR" altLang="en-US" sz="1200" dirty="0"/>
               <a:t>태그와 </a:t>
             </a:r>
             <a:r>
-              <a:rPr lang="en-US" altLang="ko-KR" sz="1200"/>
+              <a:rPr lang="en-US" altLang="ko-KR" sz="1200" dirty="0"/>
               <a:t>&lt;/head&gt; </a:t>
             </a:r>
             <a:r>
-              <a:rPr lang="ko-KR" altLang="en-US" sz="1200"/>
+              <a:rPr lang="ko-KR" altLang="en-US" sz="1200" dirty="0"/>
               <a:t>태그 안에서 정의</a:t>
             </a:r>
-            <a:endParaRPr lang="en-US" altLang="ko-KR" sz="1200"/>
+            <a:endParaRPr lang="en-US" altLang="ko-KR" sz="1200" dirty="0"/>
           </a:p>
           <a:p>
             <a:pPr marL="285750" indent="-285750">
@@ -6335,22 +6353,22 @@
               <a:buChar char="•"/>
             </a:pPr>
             <a:r>
-              <a:rPr lang="en-US" altLang="ko-KR" sz="1200"/>
+              <a:rPr lang="en-US" altLang="ko-KR" sz="1200" dirty="0"/>
               <a:t>&lt;style&gt; </a:t>
             </a:r>
             <a:r>
-              <a:rPr lang="ko-KR" altLang="en-US" sz="1200"/>
+              <a:rPr lang="ko-KR" altLang="en-US" sz="1200" dirty="0"/>
               <a:t>태그와 </a:t>
             </a:r>
             <a:r>
-              <a:rPr lang="en-US" altLang="ko-KR" sz="1200"/>
+              <a:rPr lang="en-US" altLang="ko-KR" sz="1200" dirty="0"/>
               <a:t>&lt;/style&gt; </a:t>
             </a:r>
             <a:r>
-              <a:rPr lang="ko-KR" altLang="en-US" sz="1200"/>
+              <a:rPr lang="ko-KR" altLang="en-US" sz="1200" dirty="0"/>
               <a:t>태그 사이에 작성</a:t>
             </a:r>
-            <a:endParaRPr lang="en-US" altLang="ko-KR" sz="1200"/>
+            <a:endParaRPr lang="en-US" altLang="ko-KR" sz="1200" dirty="0"/>
           </a:p>
         </p:txBody>
       </p:sp>
@@ -6999,13 +7017,18 @@
           <a:lstStyle/>
           <a:p>
             <a:r>
-              <a:rPr lang="en-US" altLang="ko-KR"/>
+              <a:rPr lang="en-US" altLang="ko-KR" dirty="0"/>
               <a:t>CSS </a:t>
             </a:r>
             <a:r>
-              <a:rPr lang="ko-KR" altLang="en-US"/>
-              <a:t>기본 선택자</a:t>
-            </a:r>
+              <a:rPr lang="ko-KR" altLang="en-US" dirty="0"/>
+              <a:t>기본 </a:t>
+            </a:r>
+            <a:r>
+              <a:rPr lang="ko-KR" altLang="en-US" dirty="0" err="1"/>
+              <a:t>선택자</a:t>
+            </a:r>
+            <a:endParaRPr lang="ko-KR" altLang="en-US" dirty="0"/>
           </a:p>
         </p:txBody>
       </p:sp>
@@ -7084,12 +7107,12 @@
               <a:buChar char="•"/>
             </a:pPr>
             <a:r>
-              <a:rPr lang="ko-KR" altLang="en-US" sz="1200">
+              <a:rPr lang="ko-KR" altLang="en-US" sz="1200" dirty="0">
                 <a:latin typeface="+mn-ea"/>
               </a:rPr>
               <a:t>요소의 특정 부분에만 스타일 적용</a:t>
             </a:r>
-            <a:endParaRPr lang="en-US" altLang="ko-KR" sz="1200">
+            <a:endParaRPr lang="en-US" altLang="ko-KR" sz="1200" dirty="0">
               <a:latin typeface="+mn-ea"/>
             </a:endParaRPr>
           </a:p>
@@ -7102,24 +7125,48 @@
               <a:buChar char="•"/>
             </a:pPr>
             <a:r>
-              <a:rPr lang="ko-KR" altLang="en-US" sz="1200">
+              <a:rPr lang="ko-KR" altLang="en-US" sz="1200" dirty="0">
                 <a:latin typeface="+mn-ea"/>
               </a:rPr>
               <a:t>마침표</a:t>
             </a:r>
             <a:r>
-              <a:rPr lang="en-US" altLang="ko-KR" sz="1200">
+              <a:rPr lang="en-US" altLang="ko-KR" sz="1200" dirty="0">
                 <a:latin typeface="+mn-ea"/>
               </a:rPr>
               <a:t>(.) </a:t>
             </a:r>
             <a:r>
-              <a:rPr lang="ko-KR" altLang="en-US" sz="1200">
+              <a:rPr lang="ko-KR" altLang="en-US" sz="1200" dirty="0">
                 <a:latin typeface="+mn-ea"/>
               </a:rPr>
-              <a:t>다음에 클래스 이름 지정</a:t>
-            </a:r>
-            <a:endParaRPr lang="en-US" altLang="ko-KR" sz="1200">
+              <a:t>다음에 클래스 이름 </a:t>
+            </a:r>
+            <a:r>
+              <a:rPr lang="ko-KR" altLang="en-US" sz="1200" dirty="0" smtClean="0">
+                <a:latin typeface="+mn-ea"/>
+              </a:rPr>
+              <a:t>지정</a:t>
+            </a:r>
+            <a:r>
+              <a:rPr lang="en-US" altLang="ko-KR" sz="1200" dirty="0" smtClean="0">
+                <a:latin typeface="+mn-ea"/>
+              </a:rPr>
+              <a:t>(</a:t>
+            </a:r>
+            <a:r>
+              <a:rPr lang="ko-KR" altLang="en-US" sz="1200" dirty="0" smtClean="0">
+                <a:latin typeface="+mn-ea"/>
+              </a:rPr>
+              <a:t>중복이 가능하다</a:t>
+            </a:r>
+            <a:r>
+              <a:rPr lang="en-US" altLang="ko-KR" sz="1200" dirty="0" smtClean="0">
+                <a:latin typeface="+mn-ea"/>
+              </a:rPr>
+              <a:t>.)</a:t>
+            </a:r>
+            <a:endParaRPr lang="en-US" altLang="ko-KR" sz="1200" dirty="0">
               <a:latin typeface="+mn-ea"/>
             </a:endParaRPr>
           </a:p>
@@ -7132,12 +7179,24 @@
               <a:buChar char="•"/>
             </a:pPr>
             <a:r>
-              <a:rPr lang="ko-KR" altLang="en-US" sz="1200">
+              <a:rPr lang="ko-KR" altLang="en-US" sz="1200" dirty="0">
                 <a:latin typeface="+mn-ea"/>
               </a:rPr>
-              <a:t>문서 안에서 여러 번 반복할 스타일이라면 클래스 선택자로 정의</a:t>
-            </a:r>
-            <a:endParaRPr lang="en-US" altLang="ko-KR" sz="1200">
+              <a:t>문서 안에서 여러 번 반복할 스타일이라면 클래스 </a:t>
+            </a:r>
+            <a:r>
+              <a:rPr lang="ko-KR" altLang="en-US" sz="1200" dirty="0" err="1">
+                <a:latin typeface="+mn-ea"/>
+              </a:rPr>
+              <a:t>선택자로</a:t>
+            </a:r>
+            <a:r>
+              <a:rPr lang="ko-KR" altLang="en-US" sz="1200" dirty="0">
+                <a:latin typeface="+mn-ea"/>
+              </a:rPr>
+              <a:t> 정의</a:t>
+            </a:r>
+            <a:endParaRPr lang="en-US" altLang="ko-KR" sz="1200" dirty="0">
               <a:latin typeface="+mn-ea"/>
             </a:endParaRPr>
           </a:p>
@@ -7149,7 +7208,7 @@
               <a:buFont typeface="Arial" panose="020B0604020202020204" pitchFamily="34" charset="0"/>
               <a:buChar char="•"/>
             </a:pPr>
-            <a:endParaRPr lang="en-US" altLang="ko-KR" sz="1200">
+            <a:endParaRPr lang="en-US" altLang="ko-KR" sz="1200" dirty="0">
               <a:latin typeface="+mn-ea"/>
             </a:endParaRPr>
           </a:p>
@@ -7240,12 +7299,12 @@
               <a:buChar char="•"/>
             </a:pPr>
             <a:r>
-              <a:rPr lang="ko-KR" altLang="en-US" sz="1200">
+              <a:rPr lang="ko-KR" altLang="en-US" sz="1200" dirty="0">
                 <a:latin typeface="+mn-ea"/>
               </a:rPr>
               <a:t>요소의 특정 부분에만 스타일 적용</a:t>
             </a:r>
-            <a:endParaRPr lang="en-US" altLang="ko-KR" sz="1200">
+            <a:endParaRPr lang="en-US" altLang="ko-KR" sz="1200" dirty="0">
               <a:latin typeface="+mn-ea"/>
             </a:endParaRPr>
           </a:p>
@@ -7258,36 +7317,60 @@
               <a:buChar char="•"/>
             </a:pPr>
             <a:r>
-              <a:rPr lang="ko-KR" altLang="en-US" sz="1200">
+              <a:rPr lang="ko-KR" altLang="en-US" sz="1200" dirty="0">
                 <a:latin typeface="+mn-ea"/>
               </a:rPr>
               <a:t>파운드</a:t>
             </a:r>
             <a:r>
-              <a:rPr lang="en-US" altLang="ko-KR" sz="1200">
+              <a:rPr lang="en-US" altLang="ko-KR" sz="1200" dirty="0">
                 <a:latin typeface="+mn-ea"/>
               </a:rPr>
               <a:t>(#) </a:t>
             </a:r>
             <a:r>
-              <a:rPr lang="ko-KR" altLang="en-US" sz="1200">
+              <a:rPr lang="ko-KR" altLang="en-US" sz="1200" dirty="0">
                 <a:latin typeface="+mn-ea"/>
               </a:rPr>
               <a:t>다음에 </a:t>
             </a:r>
             <a:r>
-              <a:rPr lang="en-US" altLang="ko-KR" sz="1200">
+              <a:rPr lang="en-US" altLang="ko-KR" sz="1200" dirty="0">
                 <a:latin typeface="+mn-ea"/>
               </a:rPr>
               <a:t>id </a:t>
             </a:r>
             <a:r>
-              <a:rPr lang="ko-KR" altLang="en-US" sz="1200">
+              <a:rPr lang="ko-KR" altLang="en-US" sz="1200" dirty="0">
                 <a:latin typeface="+mn-ea"/>
               </a:rPr>
-              <a:t>이름 지정</a:t>
-            </a:r>
-            <a:endParaRPr lang="en-US" altLang="ko-KR" sz="1200">
+              <a:t>이름 </a:t>
+            </a:r>
+            <a:r>
+              <a:rPr lang="ko-KR" altLang="en-US" sz="1200" dirty="0" smtClean="0">
+                <a:latin typeface="+mn-ea"/>
+              </a:rPr>
+              <a:t>지정</a:t>
+            </a:r>
+            <a:r>
+              <a:rPr lang="en-US" altLang="ko-KR" sz="1200" dirty="0" smtClean="0">
+                <a:latin typeface="+mn-ea"/>
+              </a:rPr>
+              <a:t>(</a:t>
+            </a:r>
+            <a:r>
+              <a:rPr lang="ko-KR" altLang="en-US" sz="1200" dirty="0" smtClean="0">
+                <a:latin typeface="+mn-ea"/>
+              </a:rPr>
+              <a:t>중복이 안된다</a:t>
+            </a:r>
+            <a:r>
+              <a:rPr lang="en-US" altLang="ko-KR" sz="1200" dirty="0" smtClean="0">
+                <a:latin typeface="+mn-ea"/>
+              </a:rPr>
+              <a:t>.)</a:t>
+            </a:r>
+            <a:endParaRPr lang="en-US" altLang="ko-KR" sz="1200" dirty="0">
               <a:latin typeface="+mn-ea"/>
             </a:endParaRPr>
           </a:p>
@@ -7300,24 +7383,30 @@
               <a:buChar char="•"/>
             </a:pPr>
             <a:r>
-              <a:rPr lang="ko-KR" altLang="en-US" sz="1200">
+              <a:rPr lang="ko-KR" altLang="en-US" sz="1200" dirty="0">
                 <a:latin typeface="+mn-ea"/>
               </a:rPr>
               <a:t>문서 안에서 한번만 사용한다면 </a:t>
             </a:r>
             <a:r>
-              <a:rPr lang="en-US" altLang="ko-KR" sz="1200">
+              <a:rPr lang="en-US" altLang="ko-KR" sz="1200" dirty="0">
                 <a:latin typeface="+mn-ea"/>
               </a:rPr>
               <a:t>id </a:t>
             </a:r>
             <a:r>
-              <a:rPr lang="ko-KR" altLang="en-US" sz="1200">
+              <a:rPr lang="ko-KR" altLang="en-US" sz="1200" dirty="0" err="1">
                 <a:latin typeface="+mn-ea"/>
               </a:rPr>
-              <a:t>선택자로 정의</a:t>
-            </a:r>
-            <a:endParaRPr lang="en-US" altLang="ko-KR" sz="1200">
+              <a:t>선택자로</a:t>
+            </a:r>
+            <a:r>
+              <a:rPr lang="ko-KR" altLang="en-US" sz="1200" dirty="0">
+                <a:latin typeface="+mn-ea"/>
+              </a:rPr>
+              <a:t> 정의</a:t>
+            </a:r>
+            <a:endParaRPr lang="en-US" altLang="ko-KR" sz="1200" dirty="0">
               <a:latin typeface="+mn-ea"/>
             </a:endParaRPr>
           </a:p>
@@ -8392,7 +8481,7 @@
         </p:nvSpPr>
         <p:spPr>
           <a:xfrm>
-            <a:off x="694642" y="1954885"/>
+            <a:off x="641758" y="1797670"/>
             <a:ext cx="3263318" cy="307777"/>
           </a:xfrm>
           <a:prstGeom prst="rect">
@@ -8757,7 +8846,7 @@
             <a:lstStyle/>
             <a:p>
               <a:r>
-                <a:rPr lang="ko-KR" altLang="en-US" sz="1100">
+                <a:rPr lang="ko-KR" altLang="en-US" sz="1100" dirty="0">
                   <a:solidFill>
                     <a:schemeClr val="accent2"/>
                   </a:solidFill>
@@ -8765,7 +8854,7 @@
                 <a:t>시스템에서 만든 스타일</a:t>
               </a:r>
               <a:r>
-                <a:rPr lang="en-US" altLang="ko-KR" sz="1100">
+                <a:rPr lang="en-US" altLang="ko-KR" sz="1100" dirty="0">
                   <a:solidFill>
                     <a:schemeClr val="accent2"/>
                   </a:solidFill>
@@ -8773,7 +8862,7 @@
                 <a:t>. </a:t>
               </a:r>
               <a:r>
-                <a:rPr lang="ko-KR" altLang="en-US" sz="1100">
+                <a:rPr lang="ko-KR" altLang="en-US" sz="1100" dirty="0">
                   <a:solidFill>
                     <a:schemeClr val="accent2"/>
                   </a:solidFill>
@@ -9226,7 +9315,7 @@
         </p:nvSpPr>
         <p:spPr>
           <a:xfrm>
-            <a:off x="5079213" y="1949404"/>
+            <a:off x="5142452" y="1834119"/>
             <a:ext cx="3263318" cy="307777"/>
           </a:xfrm>
           <a:prstGeom prst="rect">
@@ -9241,12 +9330,20 @@
           <a:lstStyle/>
           <a:p>
             <a:r>
-              <a:rPr lang="en-US" altLang="ko-KR" sz="1400" b="1"/>
+              <a:rPr lang="en-US" altLang="ko-KR" sz="1400" b="1" dirty="0"/>
               <a:t>2. </a:t>
             </a:r>
             <a:r>
-              <a:rPr lang="ko-KR" altLang="en-US" sz="1400" b="1"/>
-              <a:t>얼마나 한정지을 수 있는가에 따라</a:t>
+              <a:rPr lang="ko-KR" altLang="en-US" sz="1400" b="1" dirty="0"/>
+              <a:t>얼마나 </a:t>
+            </a:r>
+            <a:r>
+              <a:rPr lang="ko-KR" altLang="en-US" sz="1400" b="1" dirty="0" err="1"/>
+              <a:t>한정지을</a:t>
+            </a:r>
+            <a:r>
+              <a:rPr lang="ko-KR" altLang="en-US" sz="1400" b="1" dirty="0"/>
+              <a:t> 수 있는가에 따라</a:t>
             </a:r>
           </a:p>
         </p:txBody>
@@ -9953,11 +10050,11 @@
           <a:lstStyle/>
           <a:p>
             <a:r>
-              <a:rPr lang="en-US" altLang="ko-KR" sz="1400" b="1"/>
+              <a:rPr lang="en-US" altLang="ko-KR" sz="1400" b="1" dirty="0"/>
               <a:t>3. </a:t>
             </a:r>
             <a:r>
-              <a:rPr lang="ko-KR" altLang="en-US" sz="1400" b="1"/>
+              <a:rPr lang="ko-KR" altLang="en-US" sz="1400" b="1" dirty="0"/>
               <a:t>소스 순서에 따라</a:t>
             </a:r>
           </a:p>

--- a/HTML/ppt/06.pptx
+++ b/HTML/ppt/06.pptx
@@ -115,7 +115,7 @@
   </p:defaultTextStyle>
   <p:extLst>
     <p:ext uri="{EFAFB233-063F-42B5-8137-9DF3F51BA10A}">
-      <p15:sldGuideLst xmlns:p15="http://schemas.microsoft.com/office/powerpoint/2012/main"/>
+      <p15:sldGuideLst xmlns:p15="http://schemas.microsoft.com/office/powerpoint/2012/main" xmlns=""/>
     </p:ext>
   </p:extLst>
 </p:presentation>
@@ -200,7 +200,7 @@
           <a:p>
             <a:fld id="{AA93C23F-80D8-41F7-A602-5BAA4D96D6F7}" type="datetimeFigureOut">
               <a:rPr lang="ko-KR" altLang="en-US" smtClean="0"/>
-              <a:t>2021-09-16</a:t>
+              <a:t>2021-09-17</a:t>
             </a:fld>
             <a:endParaRPr lang="ko-KR" altLang="en-US"/>
           </a:p>
@@ -253,7 +253,7 @@
           <p:cNvPr id="7" name="그림 6">
             <a:extLst>
               <a:ext uri="{FF2B5EF4-FFF2-40B4-BE49-F238E27FC236}">
-                <a16:creationId xmlns:a16="http://schemas.microsoft.com/office/drawing/2014/main" id="{07614ECC-682A-43C2-99CA-0638D3969CAD}"/>
+                <a16:creationId xmlns:a16="http://schemas.microsoft.com/office/drawing/2014/main" xmlns="" id="{07614ECC-682A-43C2-99CA-0638D3969CAD}"/>
               </a:ext>
             </a:extLst>
           </p:cNvPr>
@@ -263,7 +263,7 @@
           <p:nvPr userDrawn="1"/>
         </p:nvPicPr>
         <p:blipFill>
-          <a:blip r:embed="rId2">
+          <a:blip r:embed="rId2" cstate="print">
             <a:extLst>
               <a:ext uri="{28A0092B-C50C-407E-A947-70E740481C1C}">
                 <a14:useLocalDpi xmlns:a14="http://schemas.microsoft.com/office/drawing/2010/main" val="0"/>
@@ -289,7 +289,7 @@
           <p:cNvPr id="12" name="그림 11">
             <a:extLst>
               <a:ext uri="{FF2B5EF4-FFF2-40B4-BE49-F238E27FC236}">
-                <a16:creationId xmlns:a16="http://schemas.microsoft.com/office/drawing/2014/main" id="{2DACDF48-EF40-451F-A48F-AFF99B099716}"/>
+                <a16:creationId xmlns:a16="http://schemas.microsoft.com/office/drawing/2014/main" xmlns="" id="{2DACDF48-EF40-451F-A48F-AFF99B099716}"/>
               </a:ext>
             </a:extLst>
           </p:cNvPr>
@@ -299,7 +299,7 @@
           <p:nvPr userDrawn="1"/>
         </p:nvPicPr>
         <p:blipFill rotWithShape="1">
-          <a:blip r:embed="rId3" cstate="hqprint">
+          <a:blip r:embed="rId3" cstate="print">
             <a:extLst>
               <a:ext uri="{28A0092B-C50C-407E-A947-70E740481C1C}">
                 <a14:useLocalDpi xmlns:a14="http://schemas.microsoft.com/office/drawing/2010/main" val="0"/>
@@ -329,7 +329,7 @@
           <p:cNvPr id="11" name="직사각형 10">
             <a:extLst>
               <a:ext uri="{FF2B5EF4-FFF2-40B4-BE49-F238E27FC236}">
-                <a16:creationId xmlns:a16="http://schemas.microsoft.com/office/drawing/2014/main" id="{4E0D822C-E76D-4041-9019-177102919703}"/>
+                <a16:creationId xmlns:a16="http://schemas.microsoft.com/office/drawing/2014/main" xmlns="" id="{4E0D822C-E76D-4041-9019-177102919703}"/>
               </a:ext>
             </a:extLst>
           </p:cNvPr>
@@ -498,7 +498,7 @@
           <a:p>
             <a:fld id="{AA93C23F-80D8-41F7-A602-5BAA4D96D6F7}" type="datetimeFigureOut">
               <a:rPr lang="ko-KR" altLang="en-US" smtClean="0"/>
-              <a:t>2021-09-16</a:t>
+              <a:t>2021-09-17</a:t>
             </a:fld>
             <a:endParaRPr lang="ko-KR" altLang="en-US"/>
           </a:p>
@@ -676,7 +676,7 @@
           <a:p>
             <a:fld id="{AA93C23F-80D8-41F7-A602-5BAA4D96D6F7}" type="datetimeFigureOut">
               <a:rPr lang="ko-KR" altLang="en-US" smtClean="0"/>
-              <a:t>2021-09-16</a:t>
+              <a:t>2021-09-17</a:t>
             </a:fld>
             <a:endParaRPr lang="ko-KR" altLang="en-US"/>
           </a:p>
@@ -759,7 +759,7 @@
           <p:cNvPr id="2" name="제목 1">
             <a:extLst>
               <a:ext uri="{FF2B5EF4-FFF2-40B4-BE49-F238E27FC236}">
-                <a16:creationId xmlns:a16="http://schemas.microsoft.com/office/drawing/2014/main" id="{1706266A-C624-42C8-B7AE-4176FFA57D3A}"/>
+                <a16:creationId xmlns:a16="http://schemas.microsoft.com/office/drawing/2014/main" xmlns="" id="{1706266A-C624-42C8-B7AE-4176FFA57D3A}"/>
               </a:ext>
             </a:extLst>
           </p:cNvPr>
@@ -796,7 +796,7 @@
           <p:cNvPr id="3" name="부제목 2">
             <a:extLst>
               <a:ext uri="{FF2B5EF4-FFF2-40B4-BE49-F238E27FC236}">
-                <a16:creationId xmlns:a16="http://schemas.microsoft.com/office/drawing/2014/main" id="{CF1E8150-D664-4750-BFAF-800E899E164E}"/>
+                <a16:creationId xmlns:a16="http://schemas.microsoft.com/office/drawing/2014/main" xmlns="" id="{CF1E8150-D664-4750-BFAF-800E899E164E}"/>
               </a:ext>
             </a:extLst>
           </p:cNvPr>
@@ -866,7 +866,7 @@
           <p:cNvPr id="4" name="날짜 개체 틀 3">
             <a:extLst>
               <a:ext uri="{FF2B5EF4-FFF2-40B4-BE49-F238E27FC236}">
-                <a16:creationId xmlns:a16="http://schemas.microsoft.com/office/drawing/2014/main" id="{B77FCA92-17C5-41B3-A975-E0729DBEBFBF}"/>
+                <a16:creationId xmlns:a16="http://schemas.microsoft.com/office/drawing/2014/main" xmlns="" id="{B77FCA92-17C5-41B3-A975-E0729DBEBFBF}"/>
               </a:ext>
             </a:extLst>
           </p:cNvPr>
@@ -884,7 +884,7 @@
           <a:p>
             <a:fld id="{7A0B29D9-43B6-4ACD-848D-FA6E666794B9}" type="datetimeFigureOut">
               <a:rPr lang="ko-KR" altLang="en-US" smtClean="0"/>
-              <a:t>2021-09-16</a:t>
+              <a:t>2021-09-17</a:t>
             </a:fld>
             <a:endParaRPr lang="ko-KR" altLang="en-US"/>
           </a:p>
@@ -895,7 +895,7 @@
           <p:cNvPr id="5" name="바닥글 개체 틀 4">
             <a:extLst>
               <a:ext uri="{FF2B5EF4-FFF2-40B4-BE49-F238E27FC236}">
-                <a16:creationId xmlns:a16="http://schemas.microsoft.com/office/drawing/2014/main" id="{90773A2D-2644-4295-A92E-C83D7ECA0114}"/>
+                <a16:creationId xmlns:a16="http://schemas.microsoft.com/office/drawing/2014/main" xmlns="" id="{90773A2D-2644-4295-A92E-C83D7ECA0114}"/>
               </a:ext>
             </a:extLst>
           </p:cNvPr>
@@ -920,7 +920,7 @@
           <p:cNvPr id="6" name="슬라이드 번호 개체 틀 5">
             <a:extLst>
               <a:ext uri="{FF2B5EF4-FFF2-40B4-BE49-F238E27FC236}">
-                <a16:creationId xmlns:a16="http://schemas.microsoft.com/office/drawing/2014/main" id="{8DB65557-D1D1-44F5-9A09-7A27A7500ACA}"/>
+                <a16:creationId xmlns:a16="http://schemas.microsoft.com/office/drawing/2014/main" xmlns="" id="{8DB65557-D1D1-44F5-9A09-7A27A7500ACA}"/>
               </a:ext>
             </a:extLst>
           </p:cNvPr>
@@ -1080,7 +1080,7 @@
           <a:p>
             <a:fld id="{AA93C23F-80D8-41F7-A602-5BAA4D96D6F7}" type="datetimeFigureOut">
               <a:rPr lang="ko-KR" altLang="en-US" smtClean="0"/>
-              <a:t>2021-09-16</a:t>
+              <a:t>2021-09-17</a:t>
             </a:fld>
             <a:endParaRPr lang="ko-KR" altLang="en-US"/>
           </a:p>
@@ -1325,7 +1325,7 @@
           <a:p>
             <a:fld id="{AA93C23F-80D8-41F7-A602-5BAA4D96D6F7}" type="datetimeFigureOut">
               <a:rPr lang="ko-KR" altLang="en-US" smtClean="0"/>
-              <a:t>2021-09-16</a:t>
+              <a:t>2021-09-17</a:t>
             </a:fld>
             <a:endParaRPr lang="ko-KR" altLang="en-US"/>
           </a:p>
@@ -1554,7 +1554,7 @@
           <a:p>
             <a:fld id="{AA93C23F-80D8-41F7-A602-5BAA4D96D6F7}" type="datetimeFigureOut">
               <a:rPr lang="ko-KR" altLang="en-US" smtClean="0"/>
-              <a:t>2021-09-16</a:t>
+              <a:t>2021-09-17</a:t>
             </a:fld>
             <a:endParaRPr lang="ko-KR" altLang="en-US"/>
           </a:p>
@@ -1918,7 +1918,7 @@
           <a:p>
             <a:fld id="{AA93C23F-80D8-41F7-A602-5BAA4D96D6F7}" type="datetimeFigureOut">
               <a:rPr lang="ko-KR" altLang="en-US" smtClean="0"/>
-              <a:t>2021-09-16</a:t>
+              <a:t>2021-09-17</a:t>
             </a:fld>
             <a:endParaRPr lang="ko-KR" altLang="en-US"/>
           </a:p>
@@ -2040,7 +2040,7 @@
           <a:p>
             <a:fld id="{AA93C23F-80D8-41F7-A602-5BAA4D96D6F7}" type="datetimeFigureOut">
               <a:rPr lang="ko-KR" altLang="en-US" smtClean="0"/>
-              <a:t>2021-09-16</a:t>
+              <a:t>2021-09-17</a:t>
             </a:fld>
             <a:endParaRPr lang="ko-KR" altLang="en-US"/>
           </a:p>
@@ -2135,7 +2135,7 @@
           <a:p>
             <a:fld id="{AA93C23F-80D8-41F7-A602-5BAA4D96D6F7}" type="datetimeFigureOut">
               <a:rPr lang="ko-KR" altLang="en-US" smtClean="0"/>
-              <a:t>2021-09-16</a:t>
+              <a:t>2021-09-17</a:t>
             </a:fld>
             <a:endParaRPr lang="ko-KR" altLang="en-US"/>
           </a:p>
@@ -2410,7 +2410,7 @@
           <a:p>
             <a:fld id="{AA93C23F-80D8-41F7-A602-5BAA4D96D6F7}" type="datetimeFigureOut">
               <a:rPr lang="ko-KR" altLang="en-US" smtClean="0"/>
-              <a:t>2021-09-16</a:t>
+              <a:t>2021-09-17</a:t>
             </a:fld>
             <a:endParaRPr lang="ko-KR" altLang="en-US"/>
           </a:p>
@@ -2665,7 +2665,7 @@
           <a:p>
             <a:fld id="{AA93C23F-80D8-41F7-A602-5BAA4D96D6F7}" type="datetimeFigureOut">
               <a:rPr lang="ko-KR" altLang="en-US" smtClean="0"/>
-              <a:t>2021-09-16</a:t>
+              <a:t>2021-09-17</a:t>
             </a:fld>
             <a:endParaRPr lang="ko-KR" altLang="en-US"/>
           </a:p>
@@ -2753,7 +2753,7 @@
           <p:cNvPr id="7" name="직사각형 6">
             <a:extLst>
               <a:ext uri="{FF2B5EF4-FFF2-40B4-BE49-F238E27FC236}">
-                <a16:creationId xmlns:a16="http://schemas.microsoft.com/office/drawing/2014/main" id="{63317FCE-2A0E-48C2-8A7C-05C172CEA588}"/>
+                <a16:creationId xmlns:a16="http://schemas.microsoft.com/office/drawing/2014/main" xmlns="" id="{63317FCE-2A0E-48C2-8A7C-05C172CEA588}"/>
               </a:ext>
             </a:extLst>
           </p:cNvPr>
@@ -2909,7 +2909,7 @@
           <a:p>
             <a:fld id="{AA93C23F-80D8-41F7-A602-5BAA4D96D6F7}" type="datetimeFigureOut">
               <a:rPr lang="ko-KR" altLang="en-US" smtClean="0"/>
-              <a:t>2021-09-16</a:t>
+              <a:t>2021-09-17</a:t>
             </a:fld>
             <a:endParaRPr lang="ko-KR" altLang="en-US"/>
           </a:p>
@@ -3353,7 +3353,7 @@
           <p:cNvPr id="2" name="제목 1">
             <a:extLst>
               <a:ext uri="{FF2B5EF4-FFF2-40B4-BE49-F238E27FC236}">
-                <a16:creationId xmlns:a16="http://schemas.microsoft.com/office/drawing/2014/main" id="{05C7C753-9F88-4254-9862-F6A87176F751}"/>
+                <a16:creationId xmlns:a16="http://schemas.microsoft.com/office/drawing/2014/main" xmlns="" id="{05C7C753-9F88-4254-9862-F6A87176F751}"/>
               </a:ext>
             </a:extLst>
           </p:cNvPr>
@@ -3385,7 +3385,7 @@
           <p:cNvPr id="7" name="그룹 6">
             <a:extLst>
               <a:ext uri="{FF2B5EF4-FFF2-40B4-BE49-F238E27FC236}">
-                <a16:creationId xmlns:a16="http://schemas.microsoft.com/office/drawing/2014/main" id="{3020E55D-5D6E-47B7-BF49-67DF43FF0CB8}"/>
+                <a16:creationId xmlns:a16="http://schemas.microsoft.com/office/drawing/2014/main" xmlns="" id="{3020E55D-5D6E-47B7-BF49-67DF43FF0CB8}"/>
               </a:ext>
             </a:extLst>
           </p:cNvPr>
@@ -3405,7 +3405,7 @@
             <p:cNvPr id="4" name="직사각형 3">
               <a:extLst>
                 <a:ext uri="{FF2B5EF4-FFF2-40B4-BE49-F238E27FC236}">
-                  <a16:creationId xmlns:a16="http://schemas.microsoft.com/office/drawing/2014/main" id="{7E6505BA-A9A1-46F5-BFC6-A45ABCE494AF}"/>
+                  <a16:creationId xmlns:a16="http://schemas.microsoft.com/office/drawing/2014/main" xmlns="" id="{7E6505BA-A9A1-46F5-BFC6-A45ABCE494AF}"/>
                 </a:ext>
               </a:extLst>
             </p:cNvPr>
@@ -3472,7 +3472,7 @@
             <p:cNvPr id="5" name="TextBox 4">
               <a:extLst>
                 <a:ext uri="{FF2B5EF4-FFF2-40B4-BE49-F238E27FC236}">
-                  <a16:creationId xmlns:a16="http://schemas.microsoft.com/office/drawing/2014/main" id="{2FAFC29B-A5E1-4F15-A5FF-C528129D6456}"/>
+                  <a16:creationId xmlns:a16="http://schemas.microsoft.com/office/drawing/2014/main" xmlns="" id="{2FAFC29B-A5E1-4F15-A5FF-C528129D6456}"/>
                 </a:ext>
               </a:extLst>
             </p:cNvPr>
@@ -3507,7 +3507,7 @@
             <p:cNvPr id="6" name="직선 연결선 5">
               <a:extLst>
                 <a:ext uri="{FF2B5EF4-FFF2-40B4-BE49-F238E27FC236}">
-                  <a16:creationId xmlns:a16="http://schemas.microsoft.com/office/drawing/2014/main" id="{D5239A65-4609-4585-95B3-13DD43DCD16F}"/>
+                  <a16:creationId xmlns:a16="http://schemas.microsoft.com/office/drawing/2014/main" xmlns="" id="{D5239A65-4609-4585-95B3-13DD43DCD16F}"/>
                 </a:ext>
               </a:extLst>
             </p:cNvPr>
@@ -3552,7 +3552,7 @@
           <p:cNvPr id="8" name="그룹 7">
             <a:extLst>
               <a:ext uri="{FF2B5EF4-FFF2-40B4-BE49-F238E27FC236}">
-                <a16:creationId xmlns:a16="http://schemas.microsoft.com/office/drawing/2014/main" id="{A26D55A4-23F4-4733-BB60-7027087F2FFB}"/>
+                <a16:creationId xmlns:a16="http://schemas.microsoft.com/office/drawing/2014/main" xmlns="" id="{A26D55A4-23F4-4733-BB60-7027087F2FFB}"/>
               </a:ext>
             </a:extLst>
           </p:cNvPr>
@@ -3572,7 +3572,7 @@
             <p:cNvPr id="9" name="직사각형 8">
               <a:extLst>
                 <a:ext uri="{FF2B5EF4-FFF2-40B4-BE49-F238E27FC236}">
-                  <a16:creationId xmlns:a16="http://schemas.microsoft.com/office/drawing/2014/main" id="{BB74E74D-66D8-44CD-878F-CA4E32FAC0F6}"/>
+                  <a16:creationId xmlns:a16="http://schemas.microsoft.com/office/drawing/2014/main" xmlns="" id="{BB74E74D-66D8-44CD-878F-CA4E32FAC0F6}"/>
                 </a:ext>
               </a:extLst>
             </p:cNvPr>
@@ -3639,7 +3639,7 @@
             <p:cNvPr id="10" name="TextBox 9">
               <a:extLst>
                 <a:ext uri="{FF2B5EF4-FFF2-40B4-BE49-F238E27FC236}">
-                  <a16:creationId xmlns:a16="http://schemas.microsoft.com/office/drawing/2014/main" id="{4D6DCA9C-1ADE-4962-B592-B2D2012EF372}"/>
+                  <a16:creationId xmlns:a16="http://schemas.microsoft.com/office/drawing/2014/main" xmlns="" id="{4D6DCA9C-1ADE-4962-B592-B2D2012EF372}"/>
                 </a:ext>
               </a:extLst>
             </p:cNvPr>
@@ -3674,7 +3674,7 @@
             <p:cNvPr id="11" name="직선 연결선 10">
               <a:extLst>
                 <a:ext uri="{FF2B5EF4-FFF2-40B4-BE49-F238E27FC236}">
-                  <a16:creationId xmlns:a16="http://schemas.microsoft.com/office/drawing/2014/main" id="{6D07C8A3-0A7D-4C87-BDBA-42EBD4C57AFF}"/>
+                  <a16:creationId xmlns:a16="http://schemas.microsoft.com/office/drawing/2014/main" xmlns="" id="{6D07C8A3-0A7D-4C87-BDBA-42EBD4C57AFF}"/>
                 </a:ext>
               </a:extLst>
             </p:cNvPr>
@@ -3719,7 +3719,7 @@
           <p:cNvPr id="12" name="그룹 11">
             <a:extLst>
               <a:ext uri="{FF2B5EF4-FFF2-40B4-BE49-F238E27FC236}">
-                <a16:creationId xmlns:a16="http://schemas.microsoft.com/office/drawing/2014/main" id="{7371A63A-E318-4890-B034-C3A73793E7AC}"/>
+                <a16:creationId xmlns:a16="http://schemas.microsoft.com/office/drawing/2014/main" xmlns="" id="{7371A63A-E318-4890-B034-C3A73793E7AC}"/>
               </a:ext>
             </a:extLst>
           </p:cNvPr>
@@ -3739,7 +3739,7 @@
             <p:cNvPr id="13" name="직사각형 12">
               <a:extLst>
                 <a:ext uri="{FF2B5EF4-FFF2-40B4-BE49-F238E27FC236}">
-                  <a16:creationId xmlns:a16="http://schemas.microsoft.com/office/drawing/2014/main" id="{53D6A035-8B30-4165-B492-540F2B28D6F1}"/>
+                  <a16:creationId xmlns:a16="http://schemas.microsoft.com/office/drawing/2014/main" xmlns="" id="{53D6A035-8B30-4165-B492-540F2B28D6F1}"/>
                 </a:ext>
               </a:extLst>
             </p:cNvPr>
@@ -3806,7 +3806,7 @@
             <p:cNvPr id="14" name="TextBox 13">
               <a:extLst>
                 <a:ext uri="{FF2B5EF4-FFF2-40B4-BE49-F238E27FC236}">
-                  <a16:creationId xmlns:a16="http://schemas.microsoft.com/office/drawing/2014/main" id="{C21BD3B6-A08D-4D3B-869D-2C6C5358C361}"/>
+                  <a16:creationId xmlns:a16="http://schemas.microsoft.com/office/drawing/2014/main" xmlns="" id="{C21BD3B6-A08D-4D3B-869D-2C6C5358C361}"/>
                 </a:ext>
               </a:extLst>
             </p:cNvPr>
@@ -3845,7 +3845,7 @@
             <p:cNvPr id="15" name="직선 연결선 14">
               <a:extLst>
                 <a:ext uri="{FF2B5EF4-FFF2-40B4-BE49-F238E27FC236}">
-                  <a16:creationId xmlns:a16="http://schemas.microsoft.com/office/drawing/2014/main" id="{C8B7CF56-383C-40DF-9186-E768CB55AE58}"/>
+                  <a16:creationId xmlns:a16="http://schemas.microsoft.com/office/drawing/2014/main" xmlns="" id="{C8B7CF56-383C-40DF-9186-E768CB55AE58}"/>
                 </a:ext>
               </a:extLst>
             </p:cNvPr>
@@ -3890,7 +3890,7 @@
           <p:cNvPr id="16" name="그룹 15">
             <a:extLst>
               <a:ext uri="{FF2B5EF4-FFF2-40B4-BE49-F238E27FC236}">
-                <a16:creationId xmlns:a16="http://schemas.microsoft.com/office/drawing/2014/main" id="{2427DABF-369D-4AF6-B1C9-8A53D9BBA4F1}"/>
+                <a16:creationId xmlns:a16="http://schemas.microsoft.com/office/drawing/2014/main" xmlns="" id="{2427DABF-369D-4AF6-B1C9-8A53D9BBA4F1}"/>
               </a:ext>
             </a:extLst>
           </p:cNvPr>
@@ -3910,7 +3910,7 @@
             <p:cNvPr id="17" name="직사각형 16">
               <a:extLst>
                 <a:ext uri="{FF2B5EF4-FFF2-40B4-BE49-F238E27FC236}">
-                  <a16:creationId xmlns:a16="http://schemas.microsoft.com/office/drawing/2014/main" id="{374E36EC-E7C0-4A0B-A309-1B90A9C3DC9B}"/>
+                  <a16:creationId xmlns:a16="http://schemas.microsoft.com/office/drawing/2014/main" xmlns="" id="{374E36EC-E7C0-4A0B-A309-1B90A9C3DC9B}"/>
                 </a:ext>
               </a:extLst>
             </p:cNvPr>
@@ -3977,7 +3977,7 @@
             <p:cNvPr id="18" name="TextBox 17">
               <a:extLst>
                 <a:ext uri="{FF2B5EF4-FFF2-40B4-BE49-F238E27FC236}">
-                  <a16:creationId xmlns:a16="http://schemas.microsoft.com/office/drawing/2014/main" id="{E723ABF7-E77A-40F0-9262-5D0B18BC084F}"/>
+                  <a16:creationId xmlns:a16="http://schemas.microsoft.com/office/drawing/2014/main" xmlns="" id="{E723ABF7-E77A-40F0-9262-5D0B18BC084F}"/>
                 </a:ext>
               </a:extLst>
             </p:cNvPr>
@@ -4012,7 +4012,7 @@
             <p:cNvPr id="19" name="직선 연결선 18">
               <a:extLst>
                 <a:ext uri="{FF2B5EF4-FFF2-40B4-BE49-F238E27FC236}">
-                  <a16:creationId xmlns:a16="http://schemas.microsoft.com/office/drawing/2014/main" id="{46275CB4-A8C3-4264-9450-D3CF03E221B2}"/>
+                  <a16:creationId xmlns:a16="http://schemas.microsoft.com/office/drawing/2014/main" xmlns="" id="{46275CB4-A8C3-4264-9450-D3CF03E221B2}"/>
                 </a:ext>
               </a:extLst>
             </p:cNvPr>
@@ -4109,7 +4109,7 @@
           <p:cNvPr id="8" name="TextBox 7">
             <a:extLst>
               <a:ext uri="{FF2B5EF4-FFF2-40B4-BE49-F238E27FC236}">
-                <a16:creationId xmlns:a16="http://schemas.microsoft.com/office/drawing/2014/main" id="{B4B9EC71-E230-4908-868D-1E1708530299}"/>
+                <a16:creationId xmlns:a16="http://schemas.microsoft.com/office/drawing/2014/main" xmlns="" id="{B4B9EC71-E230-4908-868D-1E1708530299}"/>
               </a:ext>
             </a:extLst>
           </p:cNvPr>
@@ -4164,7 +4164,7 @@
           <p:cNvPr id="55" name="직사각형 54">
             <a:extLst>
               <a:ext uri="{FF2B5EF4-FFF2-40B4-BE49-F238E27FC236}">
-                <a16:creationId xmlns:a16="http://schemas.microsoft.com/office/drawing/2014/main" id="{3074725C-EF56-4093-928E-C325230081E3}"/>
+                <a16:creationId xmlns:a16="http://schemas.microsoft.com/office/drawing/2014/main" xmlns="" id="{3074725C-EF56-4093-928E-C325230081E3}"/>
               </a:ext>
             </a:extLst>
           </p:cNvPr>
@@ -4317,7 +4317,7 @@
           <p:cNvPr id="4" name="제목 3">
             <a:extLst>
               <a:ext uri="{FF2B5EF4-FFF2-40B4-BE49-F238E27FC236}">
-                <a16:creationId xmlns:a16="http://schemas.microsoft.com/office/drawing/2014/main" id="{EB6D438C-A184-447B-ACCE-00753F422508}"/>
+                <a16:creationId xmlns:a16="http://schemas.microsoft.com/office/drawing/2014/main" xmlns="" id="{EB6D438C-A184-447B-ACCE-00753F422508}"/>
               </a:ext>
             </a:extLst>
           </p:cNvPr>
@@ -4345,7 +4345,7 @@
           <p:cNvPr id="13" name="그룹 12">
             <a:extLst>
               <a:ext uri="{FF2B5EF4-FFF2-40B4-BE49-F238E27FC236}">
-                <a16:creationId xmlns:a16="http://schemas.microsoft.com/office/drawing/2014/main" id="{B58947D9-9804-47BD-9CB9-06926E72341D}"/>
+                <a16:creationId xmlns:a16="http://schemas.microsoft.com/office/drawing/2014/main" xmlns="" id="{B58947D9-9804-47BD-9CB9-06926E72341D}"/>
               </a:ext>
             </a:extLst>
           </p:cNvPr>
@@ -4365,7 +4365,7 @@
             <p:cNvPr id="6" name="TextBox 5">
               <a:extLst>
                 <a:ext uri="{FF2B5EF4-FFF2-40B4-BE49-F238E27FC236}">
-                  <a16:creationId xmlns:a16="http://schemas.microsoft.com/office/drawing/2014/main" id="{9FF47638-CEF5-49A2-A98D-F4C9AB013048}"/>
+                  <a16:creationId xmlns:a16="http://schemas.microsoft.com/office/drawing/2014/main" xmlns="" id="{9FF47638-CEF5-49A2-A98D-F4C9AB013048}"/>
                 </a:ext>
               </a:extLst>
             </p:cNvPr>
@@ -4501,7 +4501,7 @@
             <p:cNvPr id="8" name="그림 7">
               <a:extLst>
                 <a:ext uri="{FF2B5EF4-FFF2-40B4-BE49-F238E27FC236}">
-                  <a16:creationId xmlns:a16="http://schemas.microsoft.com/office/drawing/2014/main" id="{EF71DBBF-700F-4633-8D8F-16540CF409E1}"/>
+                  <a16:creationId xmlns:a16="http://schemas.microsoft.com/office/drawing/2014/main" xmlns="" id="{EF71DBBF-700F-4633-8D8F-16540CF409E1}"/>
                 </a:ext>
               </a:extLst>
             </p:cNvPr>
@@ -4532,7 +4532,7 @@
           <p:cNvPr id="14" name="그룹 13">
             <a:extLst>
               <a:ext uri="{FF2B5EF4-FFF2-40B4-BE49-F238E27FC236}">
-                <a16:creationId xmlns:a16="http://schemas.microsoft.com/office/drawing/2014/main" id="{FB8F7118-7F50-4303-ABD7-DEA98EAC9AE9}"/>
+                <a16:creationId xmlns:a16="http://schemas.microsoft.com/office/drawing/2014/main" xmlns="" id="{FB8F7118-7F50-4303-ABD7-DEA98EAC9AE9}"/>
               </a:ext>
             </a:extLst>
           </p:cNvPr>
@@ -4552,7 +4552,7 @@
             <p:cNvPr id="10" name="TextBox 9">
               <a:extLst>
                 <a:ext uri="{FF2B5EF4-FFF2-40B4-BE49-F238E27FC236}">
-                  <a16:creationId xmlns:a16="http://schemas.microsoft.com/office/drawing/2014/main" id="{CE173DAB-A80B-488C-92C1-5A41034C1A10}"/>
+                  <a16:creationId xmlns:a16="http://schemas.microsoft.com/office/drawing/2014/main" xmlns="" id="{CE173DAB-A80B-488C-92C1-5A41034C1A10}"/>
                 </a:ext>
               </a:extLst>
             </p:cNvPr>
@@ -4614,7 +4614,7 @@
             <p:cNvPr id="12" name="그림 11">
               <a:extLst>
                 <a:ext uri="{FF2B5EF4-FFF2-40B4-BE49-F238E27FC236}">
-                  <a16:creationId xmlns:a16="http://schemas.microsoft.com/office/drawing/2014/main" id="{6C5F0CBF-D672-4BBA-BDF5-09F5607E8082}"/>
+                  <a16:creationId xmlns:a16="http://schemas.microsoft.com/office/drawing/2014/main" xmlns="" id="{6C5F0CBF-D672-4BBA-BDF5-09F5607E8082}"/>
                 </a:ext>
               </a:extLst>
             </p:cNvPr>
@@ -4645,7 +4645,7 @@
           <p:cNvPr id="15" name="TextBox 14">
             <a:extLst>
               <a:ext uri="{FF2B5EF4-FFF2-40B4-BE49-F238E27FC236}">
-                <a16:creationId xmlns:a16="http://schemas.microsoft.com/office/drawing/2014/main" id="{AC3E9FF3-6CA7-4B1A-BF47-FAE2EE2EC961}"/>
+                <a16:creationId xmlns:a16="http://schemas.microsoft.com/office/drawing/2014/main" xmlns="" id="{AC3E9FF3-6CA7-4B1A-BF47-FAE2EE2EC961}"/>
               </a:ext>
             </a:extLst>
           </p:cNvPr>
@@ -4682,7 +4682,7 @@
           <p:cNvPr id="16" name="TextBox 15">
             <a:extLst>
               <a:ext uri="{FF2B5EF4-FFF2-40B4-BE49-F238E27FC236}">
-                <a16:creationId xmlns:a16="http://schemas.microsoft.com/office/drawing/2014/main" id="{6FE68EA7-2242-4CC5-B0CC-5548E95EB210}"/>
+                <a16:creationId xmlns:a16="http://schemas.microsoft.com/office/drawing/2014/main" xmlns="" id="{6FE68EA7-2242-4CC5-B0CC-5548E95EB210}"/>
               </a:ext>
             </a:extLst>
           </p:cNvPr>
@@ -4721,7 +4721,7 @@
           <p:cNvPr id="17" name="TextBox 16">
             <a:extLst>
               <a:ext uri="{FF2B5EF4-FFF2-40B4-BE49-F238E27FC236}">
-                <a16:creationId xmlns:a16="http://schemas.microsoft.com/office/drawing/2014/main" id="{B7D076A3-3CE3-485D-AE9E-BAE38AC5A0EC}"/>
+                <a16:creationId xmlns:a16="http://schemas.microsoft.com/office/drawing/2014/main" xmlns="" id="{B7D076A3-3CE3-485D-AE9E-BAE38AC5A0EC}"/>
               </a:ext>
             </a:extLst>
           </p:cNvPr>
@@ -4760,7 +4760,7 @@
           <p:cNvPr id="18" name="TextBox 17">
             <a:extLst>
               <a:ext uri="{FF2B5EF4-FFF2-40B4-BE49-F238E27FC236}">
-                <a16:creationId xmlns:a16="http://schemas.microsoft.com/office/drawing/2014/main" id="{5349993F-324E-4F50-888C-FAA47D136EE2}"/>
+                <a16:creationId xmlns:a16="http://schemas.microsoft.com/office/drawing/2014/main" xmlns="" id="{5349993F-324E-4F50-888C-FAA47D136EE2}"/>
               </a:ext>
             </a:extLst>
           </p:cNvPr>
@@ -4807,7 +4807,7 @@
           <p:cNvPr id="19" name="TextBox 18">
             <a:extLst>
               <a:ext uri="{FF2B5EF4-FFF2-40B4-BE49-F238E27FC236}">
-                <a16:creationId xmlns:a16="http://schemas.microsoft.com/office/drawing/2014/main" id="{CC36B068-7778-4200-8F12-1EF698C9023D}"/>
+                <a16:creationId xmlns:a16="http://schemas.microsoft.com/office/drawing/2014/main" xmlns="" id="{CC36B068-7778-4200-8F12-1EF698C9023D}"/>
               </a:ext>
             </a:extLst>
           </p:cNvPr>
@@ -4846,7 +4846,7 @@
           <p:cNvPr id="23" name="연결선: 꺾임 22">
             <a:extLst>
               <a:ext uri="{FF2B5EF4-FFF2-40B4-BE49-F238E27FC236}">
-                <a16:creationId xmlns:a16="http://schemas.microsoft.com/office/drawing/2014/main" id="{2E4860B6-3AD6-4009-939B-6B1465095270}"/>
+                <a16:creationId xmlns:a16="http://schemas.microsoft.com/office/drawing/2014/main" xmlns="" id="{2E4860B6-3AD6-4009-939B-6B1465095270}"/>
               </a:ext>
             </a:extLst>
           </p:cNvPr>
@@ -4888,7 +4888,7 @@
           <p:cNvPr id="25" name="연결선: 꺾임 24">
             <a:extLst>
               <a:ext uri="{FF2B5EF4-FFF2-40B4-BE49-F238E27FC236}">
-                <a16:creationId xmlns:a16="http://schemas.microsoft.com/office/drawing/2014/main" id="{8EFFE68E-1E62-4C9E-B6B6-A253226C80CF}"/>
+                <a16:creationId xmlns:a16="http://schemas.microsoft.com/office/drawing/2014/main" xmlns="" id="{8EFFE68E-1E62-4C9E-B6B6-A253226C80CF}"/>
               </a:ext>
             </a:extLst>
           </p:cNvPr>
@@ -4930,7 +4930,7 @@
           <p:cNvPr id="27" name="직선 화살표 연결선 26">
             <a:extLst>
               <a:ext uri="{FF2B5EF4-FFF2-40B4-BE49-F238E27FC236}">
-                <a16:creationId xmlns:a16="http://schemas.microsoft.com/office/drawing/2014/main" id="{1FB3918C-FBBD-4F06-902A-D550088EEC7F}"/>
+                <a16:creationId xmlns:a16="http://schemas.microsoft.com/office/drawing/2014/main" xmlns="" id="{1FB3918C-FBBD-4F06-902A-D550088EEC7F}"/>
               </a:ext>
             </a:extLst>
           </p:cNvPr>
@@ -4969,7 +4969,7 @@
           <p:cNvPr id="29" name="직선 화살표 연결선 28">
             <a:extLst>
               <a:ext uri="{FF2B5EF4-FFF2-40B4-BE49-F238E27FC236}">
-                <a16:creationId xmlns:a16="http://schemas.microsoft.com/office/drawing/2014/main" id="{0AD71348-2642-4274-8FFC-5DC8402271E4}"/>
+                <a16:creationId xmlns:a16="http://schemas.microsoft.com/office/drawing/2014/main" xmlns="" id="{0AD71348-2642-4274-8FFC-5DC8402271E4}"/>
               </a:ext>
             </a:extLst>
           </p:cNvPr>
@@ -5040,7 +5040,7 @@
           <p:cNvPr id="4" name="제목 3">
             <a:extLst>
               <a:ext uri="{FF2B5EF4-FFF2-40B4-BE49-F238E27FC236}">
-                <a16:creationId xmlns:a16="http://schemas.microsoft.com/office/drawing/2014/main" id="{EB6D438C-A184-447B-ACCE-00753F422508}"/>
+                <a16:creationId xmlns:a16="http://schemas.microsoft.com/office/drawing/2014/main" xmlns="" id="{EB6D438C-A184-447B-ACCE-00753F422508}"/>
               </a:ext>
             </a:extLst>
           </p:cNvPr>
@@ -5068,7 +5068,7 @@
           <p:cNvPr id="15" name="TextBox 14">
             <a:extLst>
               <a:ext uri="{FF2B5EF4-FFF2-40B4-BE49-F238E27FC236}">
-                <a16:creationId xmlns:a16="http://schemas.microsoft.com/office/drawing/2014/main" id="{AC3E9FF3-6CA7-4B1A-BF47-FAE2EE2EC961}"/>
+                <a16:creationId xmlns:a16="http://schemas.microsoft.com/office/drawing/2014/main" xmlns="" id="{AC3E9FF3-6CA7-4B1A-BF47-FAE2EE2EC961}"/>
               </a:ext>
             </a:extLst>
           </p:cNvPr>
@@ -5105,7 +5105,7 @@
           <p:cNvPr id="3" name="그림 2">
             <a:extLst>
               <a:ext uri="{FF2B5EF4-FFF2-40B4-BE49-F238E27FC236}">
-                <a16:creationId xmlns:a16="http://schemas.microsoft.com/office/drawing/2014/main" id="{CE377BC7-67C0-48BC-8DA2-A89F1C4DFC67}"/>
+                <a16:creationId xmlns:a16="http://schemas.microsoft.com/office/drawing/2014/main" xmlns="" id="{CE377BC7-67C0-48BC-8DA2-A89F1C4DFC67}"/>
               </a:ext>
             </a:extLst>
           </p:cNvPr>
@@ -5135,7 +5135,7 @@
           <p:cNvPr id="5" name="직사각형 4">
             <a:extLst>
               <a:ext uri="{FF2B5EF4-FFF2-40B4-BE49-F238E27FC236}">
-                <a16:creationId xmlns:a16="http://schemas.microsoft.com/office/drawing/2014/main" id="{73FE41D1-AB65-40D8-B8FF-24426B90062C}"/>
+                <a16:creationId xmlns:a16="http://schemas.microsoft.com/office/drawing/2014/main" xmlns="" id="{73FE41D1-AB65-40D8-B8FF-24426B90062C}"/>
               </a:ext>
             </a:extLst>
           </p:cNvPr>
@@ -5187,7 +5187,7 @@
           <p:cNvPr id="7" name="TextBox 6">
             <a:extLst>
               <a:ext uri="{FF2B5EF4-FFF2-40B4-BE49-F238E27FC236}">
-                <a16:creationId xmlns:a16="http://schemas.microsoft.com/office/drawing/2014/main" id="{E908AD1C-83BC-4128-8B6E-624A7D4D2770}"/>
+                <a16:creationId xmlns:a16="http://schemas.microsoft.com/office/drawing/2014/main" xmlns="" id="{E908AD1C-83BC-4128-8B6E-624A7D4D2770}"/>
               </a:ext>
             </a:extLst>
           </p:cNvPr>
@@ -5226,7 +5226,7 @@
           <p:cNvPr id="11" name="연결선: 꺾임 10">
             <a:extLst>
               <a:ext uri="{FF2B5EF4-FFF2-40B4-BE49-F238E27FC236}">
-                <a16:creationId xmlns:a16="http://schemas.microsoft.com/office/drawing/2014/main" id="{AF33121F-06BB-4BCF-9BA8-BD64F9ACE4D8}"/>
+                <a16:creationId xmlns:a16="http://schemas.microsoft.com/office/drawing/2014/main" xmlns="" id="{AF33121F-06BB-4BCF-9BA8-BD64F9ACE4D8}"/>
               </a:ext>
             </a:extLst>
           </p:cNvPr>
@@ -5271,7 +5271,7 @@
           <p:cNvPr id="41" name="그룹 40">
             <a:extLst>
               <a:ext uri="{FF2B5EF4-FFF2-40B4-BE49-F238E27FC236}">
-                <a16:creationId xmlns:a16="http://schemas.microsoft.com/office/drawing/2014/main" id="{3B121813-0E8F-4955-880A-655C40022B6E}"/>
+                <a16:creationId xmlns:a16="http://schemas.microsoft.com/office/drawing/2014/main" xmlns="" id="{3B121813-0E8F-4955-880A-655C40022B6E}"/>
               </a:ext>
             </a:extLst>
           </p:cNvPr>
@@ -5291,7 +5291,7 @@
             <p:cNvPr id="21" name="그림 20">
               <a:extLst>
                 <a:ext uri="{FF2B5EF4-FFF2-40B4-BE49-F238E27FC236}">
-                  <a16:creationId xmlns:a16="http://schemas.microsoft.com/office/drawing/2014/main" id="{F93B1B4F-7338-4457-906D-DE9D0D6CA462}"/>
+                  <a16:creationId xmlns:a16="http://schemas.microsoft.com/office/drawing/2014/main" xmlns="" id="{F93B1B4F-7338-4457-906D-DE9D0D6CA462}"/>
                 </a:ext>
               </a:extLst>
             </p:cNvPr>
@@ -5321,7 +5321,7 @@
             <p:cNvPr id="22" name="TextBox 21">
               <a:extLst>
                 <a:ext uri="{FF2B5EF4-FFF2-40B4-BE49-F238E27FC236}">
-                  <a16:creationId xmlns:a16="http://schemas.microsoft.com/office/drawing/2014/main" id="{8FBBE7A3-8BA5-4445-A11B-F60AA234DE5B}"/>
+                  <a16:creationId xmlns:a16="http://schemas.microsoft.com/office/drawing/2014/main" xmlns="" id="{8FBBE7A3-8BA5-4445-A11B-F60AA234DE5B}"/>
                 </a:ext>
               </a:extLst>
             </p:cNvPr>
@@ -5428,7 +5428,7 @@
             <p:cNvPr id="28" name="직선 연결선 27">
               <a:extLst>
                 <a:ext uri="{FF2B5EF4-FFF2-40B4-BE49-F238E27FC236}">
-                  <a16:creationId xmlns:a16="http://schemas.microsoft.com/office/drawing/2014/main" id="{5CFC815A-C990-4B5F-9614-3476DE487E52}"/>
+                  <a16:creationId xmlns:a16="http://schemas.microsoft.com/office/drawing/2014/main" xmlns="" id="{5CFC815A-C990-4B5F-9614-3476DE487E52}"/>
                 </a:ext>
               </a:extLst>
             </p:cNvPr>
@@ -5467,7 +5467,7 @@
             <p:cNvPr id="30" name="직선 연결선 29">
               <a:extLst>
                 <a:ext uri="{FF2B5EF4-FFF2-40B4-BE49-F238E27FC236}">
-                  <a16:creationId xmlns:a16="http://schemas.microsoft.com/office/drawing/2014/main" id="{73AEDEA4-B43E-4BC9-BC25-FE741D3ED2DA}"/>
+                  <a16:creationId xmlns:a16="http://schemas.microsoft.com/office/drawing/2014/main" xmlns="" id="{73AEDEA4-B43E-4BC9-BC25-FE741D3ED2DA}"/>
                 </a:ext>
               </a:extLst>
             </p:cNvPr>
@@ -5506,7 +5506,7 @@
             <p:cNvPr id="31" name="직선 연결선 30">
               <a:extLst>
                 <a:ext uri="{FF2B5EF4-FFF2-40B4-BE49-F238E27FC236}">
-                  <a16:creationId xmlns:a16="http://schemas.microsoft.com/office/drawing/2014/main" id="{EF21DDDE-A959-4805-A03E-E54CC0D7521D}"/>
+                  <a16:creationId xmlns:a16="http://schemas.microsoft.com/office/drawing/2014/main" xmlns="" id="{EF21DDDE-A959-4805-A03E-E54CC0D7521D}"/>
                 </a:ext>
               </a:extLst>
             </p:cNvPr>
@@ -5546,7 +5546,7 @@
           <p:cNvPr id="33" name="직선 연결선 32">
             <a:extLst>
               <a:ext uri="{FF2B5EF4-FFF2-40B4-BE49-F238E27FC236}">
-                <a16:creationId xmlns:a16="http://schemas.microsoft.com/office/drawing/2014/main" id="{670245E7-A8AA-4EB8-8C01-D8CBF810B1E7}"/>
+                <a16:creationId xmlns:a16="http://schemas.microsoft.com/office/drawing/2014/main" xmlns="" id="{670245E7-A8AA-4EB8-8C01-D8CBF810B1E7}"/>
               </a:ext>
             </a:extLst>
           </p:cNvPr>
@@ -5585,7 +5585,7 @@
           <p:cNvPr id="35" name="TextBox 34">
             <a:extLst>
               <a:ext uri="{FF2B5EF4-FFF2-40B4-BE49-F238E27FC236}">
-                <a16:creationId xmlns:a16="http://schemas.microsoft.com/office/drawing/2014/main" id="{5F36F6D8-E03C-40C7-88A8-7C780E82B844}"/>
+                <a16:creationId xmlns:a16="http://schemas.microsoft.com/office/drawing/2014/main" xmlns="" id="{5F36F6D8-E03C-40C7-88A8-7C780E82B844}"/>
               </a:ext>
             </a:extLst>
           </p:cNvPr>
@@ -5686,7 +5686,7 @@
           <p:cNvPr id="37" name="그림 36">
             <a:extLst>
               <a:ext uri="{FF2B5EF4-FFF2-40B4-BE49-F238E27FC236}">
-                <a16:creationId xmlns:a16="http://schemas.microsoft.com/office/drawing/2014/main" id="{87E661BC-2E0D-46FF-9E0D-0CF80E864552}"/>
+                <a16:creationId xmlns:a16="http://schemas.microsoft.com/office/drawing/2014/main" xmlns="" id="{87E661BC-2E0D-46FF-9E0D-0CF80E864552}"/>
               </a:ext>
             </a:extLst>
           </p:cNvPr>
@@ -5716,7 +5716,7 @@
           <p:cNvPr id="38" name="TextBox 37">
             <a:extLst>
               <a:ext uri="{FF2B5EF4-FFF2-40B4-BE49-F238E27FC236}">
-                <a16:creationId xmlns:a16="http://schemas.microsoft.com/office/drawing/2014/main" id="{C24202A4-C843-4134-91B2-983B03D87CF1}"/>
+                <a16:creationId xmlns:a16="http://schemas.microsoft.com/office/drawing/2014/main" xmlns="" id="{C24202A4-C843-4134-91B2-983B03D87CF1}"/>
               </a:ext>
             </a:extLst>
           </p:cNvPr>
@@ -5751,7 +5751,7 @@
           <p:cNvPr id="39" name="TextBox 38">
             <a:extLst>
               <a:ext uri="{FF2B5EF4-FFF2-40B4-BE49-F238E27FC236}">
-                <a16:creationId xmlns:a16="http://schemas.microsoft.com/office/drawing/2014/main" id="{0D014D84-C85F-46A2-B13D-6352C5EC3FF4}"/>
+                <a16:creationId xmlns:a16="http://schemas.microsoft.com/office/drawing/2014/main" xmlns="" id="{0D014D84-C85F-46A2-B13D-6352C5EC3FF4}"/>
               </a:ext>
             </a:extLst>
           </p:cNvPr>
@@ -5849,7 +5849,7 @@
           <p:cNvPr id="4" name="제목 3">
             <a:extLst>
               <a:ext uri="{FF2B5EF4-FFF2-40B4-BE49-F238E27FC236}">
-                <a16:creationId xmlns:a16="http://schemas.microsoft.com/office/drawing/2014/main" id="{EB6D438C-A184-447B-ACCE-00753F422508}"/>
+                <a16:creationId xmlns:a16="http://schemas.microsoft.com/office/drawing/2014/main" xmlns="" id="{EB6D438C-A184-447B-ACCE-00753F422508}"/>
               </a:ext>
             </a:extLst>
           </p:cNvPr>
@@ -5877,7 +5877,7 @@
           <p:cNvPr id="15" name="TextBox 14">
             <a:extLst>
               <a:ext uri="{FF2B5EF4-FFF2-40B4-BE49-F238E27FC236}">
-                <a16:creationId xmlns:a16="http://schemas.microsoft.com/office/drawing/2014/main" id="{AC3E9FF3-6CA7-4B1A-BF47-FAE2EE2EC961}"/>
+                <a16:creationId xmlns:a16="http://schemas.microsoft.com/office/drawing/2014/main" xmlns="" id="{AC3E9FF3-6CA7-4B1A-BF47-FAE2EE2EC961}"/>
               </a:ext>
             </a:extLst>
           </p:cNvPr>
@@ -5914,7 +5914,7 @@
           <p:cNvPr id="33" name="직선 연결선 32">
             <a:extLst>
               <a:ext uri="{FF2B5EF4-FFF2-40B4-BE49-F238E27FC236}">
-                <a16:creationId xmlns:a16="http://schemas.microsoft.com/office/drawing/2014/main" id="{670245E7-A8AA-4EB8-8C01-D8CBF810B1E7}"/>
+                <a16:creationId xmlns:a16="http://schemas.microsoft.com/office/drawing/2014/main" xmlns="" id="{670245E7-A8AA-4EB8-8C01-D8CBF810B1E7}"/>
               </a:ext>
             </a:extLst>
           </p:cNvPr>
@@ -5953,7 +5953,7 @@
           <p:cNvPr id="6" name="그림 5">
             <a:extLst>
               <a:ext uri="{FF2B5EF4-FFF2-40B4-BE49-F238E27FC236}">
-                <a16:creationId xmlns:a16="http://schemas.microsoft.com/office/drawing/2014/main" id="{225E7026-1E88-4811-B22C-B150CE51126B}"/>
+                <a16:creationId xmlns:a16="http://schemas.microsoft.com/office/drawing/2014/main" xmlns="" id="{225E7026-1E88-4811-B22C-B150CE51126B}"/>
               </a:ext>
             </a:extLst>
           </p:cNvPr>
@@ -5983,7 +5983,7 @@
           <p:cNvPr id="23" name="TextBox 22">
             <a:extLst>
               <a:ext uri="{FF2B5EF4-FFF2-40B4-BE49-F238E27FC236}">
-                <a16:creationId xmlns:a16="http://schemas.microsoft.com/office/drawing/2014/main" id="{3C08A6CE-F612-4EC8-A5D6-F005E21F9D3E}"/>
+                <a16:creationId xmlns:a16="http://schemas.microsoft.com/office/drawing/2014/main" xmlns="" id="{3C08A6CE-F612-4EC8-A5D6-F005E21F9D3E}"/>
               </a:ext>
             </a:extLst>
           </p:cNvPr>
@@ -6026,7 +6026,7 @@
           <p:cNvPr id="24" name="TextBox 23">
             <a:extLst>
               <a:ext uri="{FF2B5EF4-FFF2-40B4-BE49-F238E27FC236}">
-                <a16:creationId xmlns:a16="http://schemas.microsoft.com/office/drawing/2014/main" id="{6C875AB3-AA08-4236-9BFB-6F794CDA881D}"/>
+                <a16:creationId xmlns:a16="http://schemas.microsoft.com/office/drawing/2014/main" xmlns="" id="{6C875AB3-AA08-4236-9BFB-6F794CDA881D}"/>
               </a:ext>
             </a:extLst>
           </p:cNvPr>
@@ -6135,7 +6135,7 @@
           <p:cNvPr id="25" name="TextBox 24">
             <a:extLst>
               <a:ext uri="{FF2B5EF4-FFF2-40B4-BE49-F238E27FC236}">
-                <a16:creationId xmlns:a16="http://schemas.microsoft.com/office/drawing/2014/main" id="{67726F01-351B-412C-BCE3-A4011921F57D}"/>
+                <a16:creationId xmlns:a16="http://schemas.microsoft.com/office/drawing/2014/main" xmlns="" id="{67726F01-351B-412C-BCE3-A4011921F57D}"/>
               </a:ext>
             </a:extLst>
           </p:cNvPr>
@@ -6170,7 +6170,7 @@
           <p:cNvPr id="26" name="TextBox 25">
             <a:extLst>
               <a:ext uri="{FF2B5EF4-FFF2-40B4-BE49-F238E27FC236}">
-                <a16:creationId xmlns:a16="http://schemas.microsoft.com/office/drawing/2014/main" id="{A14A5F57-39B0-4FB5-9B95-AD08FD9841CB}"/>
+                <a16:creationId xmlns:a16="http://schemas.microsoft.com/office/drawing/2014/main" xmlns="" id="{A14A5F57-39B0-4FB5-9B95-AD08FD9841CB}"/>
               </a:ext>
             </a:extLst>
           </p:cNvPr>
@@ -6243,7 +6243,7 @@
           <p:cNvPr id="27" name="TextBox 26">
             <a:extLst>
               <a:ext uri="{FF2B5EF4-FFF2-40B4-BE49-F238E27FC236}">
-                <a16:creationId xmlns:a16="http://schemas.microsoft.com/office/drawing/2014/main" id="{6E3AE935-A690-48DD-AF67-BC4C57C8DCA0}"/>
+                <a16:creationId xmlns:a16="http://schemas.microsoft.com/office/drawing/2014/main" xmlns="" id="{6E3AE935-A690-48DD-AF67-BC4C57C8DCA0}"/>
               </a:ext>
             </a:extLst>
           </p:cNvPr>
@@ -6278,7 +6278,7 @@
           <p:cNvPr id="29" name="TextBox 28">
             <a:extLst>
               <a:ext uri="{FF2B5EF4-FFF2-40B4-BE49-F238E27FC236}">
-                <a16:creationId xmlns:a16="http://schemas.microsoft.com/office/drawing/2014/main" id="{F14FA943-9C95-4B93-85AD-C2DC0D3C9F58}"/>
+                <a16:creationId xmlns:a16="http://schemas.microsoft.com/office/drawing/2014/main" xmlns="" id="{F14FA943-9C95-4B93-85AD-C2DC0D3C9F58}"/>
               </a:ext>
             </a:extLst>
           </p:cNvPr>
@@ -6377,7 +6377,7 @@
           <p:cNvPr id="32" name="TextBox 31">
             <a:extLst>
               <a:ext uri="{FF2B5EF4-FFF2-40B4-BE49-F238E27FC236}">
-                <a16:creationId xmlns:a16="http://schemas.microsoft.com/office/drawing/2014/main" id="{0DFDF2E4-9374-467F-84D9-4EA1D1EEFF1E}"/>
+                <a16:creationId xmlns:a16="http://schemas.microsoft.com/office/drawing/2014/main" xmlns="" id="{0DFDF2E4-9374-467F-84D9-4EA1D1EEFF1E}"/>
               </a:ext>
             </a:extLst>
           </p:cNvPr>
@@ -6412,7 +6412,7 @@
           <p:cNvPr id="34" name="TextBox 33">
             <a:extLst>
               <a:ext uri="{FF2B5EF4-FFF2-40B4-BE49-F238E27FC236}">
-                <a16:creationId xmlns:a16="http://schemas.microsoft.com/office/drawing/2014/main" id="{1554DAB4-F0CB-404F-954B-92282F327513}"/>
+                <a16:creationId xmlns:a16="http://schemas.microsoft.com/office/drawing/2014/main" xmlns="" id="{1554DAB4-F0CB-404F-954B-92282F327513}"/>
               </a:ext>
             </a:extLst>
           </p:cNvPr>
@@ -6511,7 +6511,7 @@
           <p:cNvPr id="28" name="직선 연결선 27">
             <a:extLst>
               <a:ext uri="{FF2B5EF4-FFF2-40B4-BE49-F238E27FC236}">
-                <a16:creationId xmlns:a16="http://schemas.microsoft.com/office/drawing/2014/main" id="{487802E6-4850-43B9-9452-11A94CB457C2}"/>
+                <a16:creationId xmlns:a16="http://schemas.microsoft.com/office/drawing/2014/main" xmlns="" id="{487802E6-4850-43B9-9452-11A94CB457C2}"/>
               </a:ext>
             </a:extLst>
           </p:cNvPr>
@@ -6550,7 +6550,7 @@
           <p:cNvPr id="4" name="제목 3">
             <a:extLst>
               <a:ext uri="{FF2B5EF4-FFF2-40B4-BE49-F238E27FC236}">
-                <a16:creationId xmlns:a16="http://schemas.microsoft.com/office/drawing/2014/main" id="{EB6D438C-A184-447B-ACCE-00753F422508}"/>
+                <a16:creationId xmlns:a16="http://schemas.microsoft.com/office/drawing/2014/main" xmlns="" id="{EB6D438C-A184-447B-ACCE-00753F422508}"/>
               </a:ext>
             </a:extLst>
           </p:cNvPr>
@@ -6582,7 +6582,7 @@
           <p:cNvPr id="14" name="TextBox 13">
             <a:extLst>
               <a:ext uri="{FF2B5EF4-FFF2-40B4-BE49-F238E27FC236}">
-                <a16:creationId xmlns:a16="http://schemas.microsoft.com/office/drawing/2014/main" id="{5A079528-D8F6-4570-9E3A-0424955A2DAB}"/>
+                <a16:creationId xmlns:a16="http://schemas.microsoft.com/office/drawing/2014/main" xmlns="" id="{5A079528-D8F6-4570-9E3A-0424955A2DAB}"/>
               </a:ext>
             </a:extLst>
           </p:cNvPr>
@@ -6617,7 +6617,7 @@
           <p:cNvPr id="16" name="TextBox 15">
             <a:extLst>
               <a:ext uri="{FF2B5EF4-FFF2-40B4-BE49-F238E27FC236}">
-                <a16:creationId xmlns:a16="http://schemas.microsoft.com/office/drawing/2014/main" id="{1A03C6C4-52CD-4979-B9B2-D37C413710FF}"/>
+                <a16:creationId xmlns:a16="http://schemas.microsoft.com/office/drawing/2014/main" xmlns="" id="{1A03C6C4-52CD-4979-B9B2-D37C413710FF}"/>
               </a:ext>
             </a:extLst>
           </p:cNvPr>
@@ -6673,7 +6673,7 @@
           <p:cNvPr id="3" name="그림 2">
             <a:extLst>
               <a:ext uri="{FF2B5EF4-FFF2-40B4-BE49-F238E27FC236}">
-                <a16:creationId xmlns:a16="http://schemas.microsoft.com/office/drawing/2014/main" id="{AC73AE90-06C5-44E8-BB34-A16E1E0B1ABA}"/>
+                <a16:creationId xmlns:a16="http://schemas.microsoft.com/office/drawing/2014/main" xmlns="" id="{AC73AE90-06C5-44E8-BB34-A16E1E0B1ABA}"/>
               </a:ext>
             </a:extLst>
           </p:cNvPr>
@@ -6703,7 +6703,7 @@
           <p:cNvPr id="18" name="TextBox 17">
             <a:extLst>
               <a:ext uri="{FF2B5EF4-FFF2-40B4-BE49-F238E27FC236}">
-                <a16:creationId xmlns:a16="http://schemas.microsoft.com/office/drawing/2014/main" id="{065F9332-1910-41A7-A2B4-4CBC19C4CE1E}"/>
+                <a16:creationId xmlns:a16="http://schemas.microsoft.com/office/drawing/2014/main" xmlns="" id="{065F9332-1910-41A7-A2B4-4CBC19C4CE1E}"/>
               </a:ext>
             </a:extLst>
           </p:cNvPr>
@@ -6738,7 +6738,7 @@
           <p:cNvPr id="19" name="TextBox 18">
             <a:extLst>
               <a:ext uri="{FF2B5EF4-FFF2-40B4-BE49-F238E27FC236}">
-                <a16:creationId xmlns:a16="http://schemas.microsoft.com/office/drawing/2014/main" id="{EB373FF6-F2A2-4F60-9AF3-C80583F2D483}"/>
+                <a16:creationId xmlns:a16="http://schemas.microsoft.com/office/drawing/2014/main" xmlns="" id="{EB373FF6-F2A2-4F60-9AF3-C80583F2D483}"/>
               </a:ext>
             </a:extLst>
           </p:cNvPr>
@@ -6781,7 +6781,7 @@
           <p:cNvPr id="7" name="그림 6">
             <a:extLst>
               <a:ext uri="{FF2B5EF4-FFF2-40B4-BE49-F238E27FC236}">
-                <a16:creationId xmlns:a16="http://schemas.microsoft.com/office/drawing/2014/main" id="{0335B93F-9300-447C-A8CA-939DF48873C0}"/>
+                <a16:creationId xmlns:a16="http://schemas.microsoft.com/office/drawing/2014/main" xmlns="" id="{0335B93F-9300-447C-A8CA-939DF48873C0}"/>
               </a:ext>
             </a:extLst>
           </p:cNvPr>
@@ -6811,7 +6811,7 @@
           <p:cNvPr id="9" name="그림 8">
             <a:extLst>
               <a:ext uri="{FF2B5EF4-FFF2-40B4-BE49-F238E27FC236}">
-                <a16:creationId xmlns:a16="http://schemas.microsoft.com/office/drawing/2014/main" id="{0D97A1B8-D5AF-4A36-BE02-35AD141A7C52}"/>
+                <a16:creationId xmlns:a16="http://schemas.microsoft.com/office/drawing/2014/main" xmlns="" id="{0D97A1B8-D5AF-4A36-BE02-35AD141A7C52}"/>
               </a:ext>
             </a:extLst>
           </p:cNvPr>
@@ -6841,7 +6841,7 @@
           <p:cNvPr id="11" name="그림 10">
             <a:extLst>
               <a:ext uri="{FF2B5EF4-FFF2-40B4-BE49-F238E27FC236}">
-                <a16:creationId xmlns:a16="http://schemas.microsoft.com/office/drawing/2014/main" id="{CDD9E9AA-F1C1-4DD5-8CC4-AFEEFC7AAE24}"/>
+                <a16:creationId xmlns:a16="http://schemas.microsoft.com/office/drawing/2014/main" xmlns="" id="{CDD9E9AA-F1C1-4DD5-8CC4-AFEEFC7AAE24}"/>
               </a:ext>
             </a:extLst>
           </p:cNvPr>
@@ -6871,7 +6871,7 @@
           <p:cNvPr id="13" name="그림 12">
             <a:extLst>
               <a:ext uri="{FF2B5EF4-FFF2-40B4-BE49-F238E27FC236}">
-                <a16:creationId xmlns:a16="http://schemas.microsoft.com/office/drawing/2014/main" id="{AB92EA37-F600-463E-8668-49C1E79602B8}"/>
+                <a16:creationId xmlns:a16="http://schemas.microsoft.com/office/drawing/2014/main" xmlns="" id="{AB92EA37-F600-463E-8668-49C1E79602B8}"/>
               </a:ext>
             </a:extLst>
           </p:cNvPr>
@@ -6901,7 +6901,7 @@
           <p:cNvPr id="20" name="그림 19">
             <a:extLst>
               <a:ext uri="{FF2B5EF4-FFF2-40B4-BE49-F238E27FC236}">
-                <a16:creationId xmlns:a16="http://schemas.microsoft.com/office/drawing/2014/main" id="{1EF33D8E-FF85-4922-BA7F-AF58F94311E0}"/>
+                <a16:creationId xmlns:a16="http://schemas.microsoft.com/office/drawing/2014/main" xmlns="" id="{1EF33D8E-FF85-4922-BA7F-AF58F94311E0}"/>
               </a:ext>
             </a:extLst>
           </p:cNvPr>
@@ -6961,7 +6961,7 @@
           <p:cNvPr id="28" name="직선 연결선 27">
             <a:extLst>
               <a:ext uri="{FF2B5EF4-FFF2-40B4-BE49-F238E27FC236}">
-                <a16:creationId xmlns:a16="http://schemas.microsoft.com/office/drawing/2014/main" id="{487802E6-4850-43B9-9452-11A94CB457C2}"/>
+                <a16:creationId xmlns:a16="http://schemas.microsoft.com/office/drawing/2014/main" xmlns="" id="{487802E6-4850-43B9-9452-11A94CB457C2}"/>
               </a:ext>
             </a:extLst>
           </p:cNvPr>
@@ -7000,7 +7000,7 @@
           <p:cNvPr id="4" name="제목 3">
             <a:extLst>
               <a:ext uri="{FF2B5EF4-FFF2-40B4-BE49-F238E27FC236}">
-                <a16:creationId xmlns:a16="http://schemas.microsoft.com/office/drawing/2014/main" id="{EB6D438C-A184-447B-ACCE-00753F422508}"/>
+                <a16:creationId xmlns:a16="http://schemas.microsoft.com/office/drawing/2014/main" xmlns="" id="{EB6D438C-A184-447B-ACCE-00753F422508}"/>
               </a:ext>
             </a:extLst>
           </p:cNvPr>
@@ -7037,7 +7037,7 @@
           <p:cNvPr id="14" name="TextBox 13">
             <a:extLst>
               <a:ext uri="{FF2B5EF4-FFF2-40B4-BE49-F238E27FC236}">
-                <a16:creationId xmlns:a16="http://schemas.microsoft.com/office/drawing/2014/main" id="{5A079528-D8F6-4570-9E3A-0424955A2DAB}"/>
+                <a16:creationId xmlns:a16="http://schemas.microsoft.com/office/drawing/2014/main" xmlns="" id="{5A079528-D8F6-4570-9E3A-0424955A2DAB}"/>
               </a:ext>
             </a:extLst>
           </p:cNvPr>
@@ -7061,13 +7061,14 @@
           <a:lstStyle/>
           <a:p>
             <a:r>
-              <a:rPr lang="en-US" altLang="ko-KR" sz="1600" b="1"/>
+              <a:rPr lang="en-US" altLang="ko-KR" sz="1600" b="1" dirty="0"/>
               <a:t>class </a:t>
             </a:r>
             <a:r>
-              <a:rPr lang="ko-KR" altLang="en-US" sz="1600" b="1"/>
+              <a:rPr lang="ko-KR" altLang="en-US" sz="1600" b="1" dirty="0" err="1"/>
               <a:t>선택자</a:t>
             </a:r>
+            <a:endParaRPr lang="ko-KR" altLang="en-US" sz="1600" b="1" dirty="0"/>
           </a:p>
         </p:txBody>
       </p:sp>
@@ -7076,7 +7077,7 @@
           <p:cNvPr id="16" name="TextBox 15">
             <a:extLst>
               <a:ext uri="{FF2B5EF4-FFF2-40B4-BE49-F238E27FC236}">
-                <a16:creationId xmlns:a16="http://schemas.microsoft.com/office/drawing/2014/main" id="{1A03C6C4-52CD-4979-B9B2-D37C413710FF}"/>
+                <a16:creationId xmlns:a16="http://schemas.microsoft.com/office/drawing/2014/main" xmlns="" id="{1A03C6C4-52CD-4979-B9B2-D37C413710FF}"/>
               </a:ext>
             </a:extLst>
           </p:cNvPr>
@@ -7085,8 +7086,8 @@
         </p:nvSpPr>
         <p:spPr>
           <a:xfrm>
-            <a:off x="696285" y="1574417"/>
-            <a:ext cx="4933885" cy="1441613"/>
+            <a:off x="696284" y="1521065"/>
+            <a:ext cx="4933885" cy="1477328"/>
           </a:xfrm>
           <a:prstGeom prst="rect">
             <a:avLst/>
@@ -7194,9 +7195,15 @@
               <a:rPr lang="ko-KR" altLang="en-US" sz="1200" dirty="0">
                 <a:latin typeface="+mn-ea"/>
               </a:rPr>
-              <a:t> 정의</a:t>
-            </a:r>
-            <a:endParaRPr lang="en-US" altLang="ko-KR" sz="1200" dirty="0">
+              <a:t> </a:t>
+            </a:r>
+            <a:r>
+              <a:rPr lang="ko-KR" altLang="en-US" sz="1200" dirty="0" smtClean="0">
+                <a:latin typeface="+mn-ea"/>
+              </a:rPr>
+              <a:t>정의</a:t>
+            </a:r>
+            <a:endParaRPr lang="en-US" altLang="ko-KR" sz="1200" dirty="0" smtClean="0">
               <a:latin typeface="+mn-ea"/>
             </a:endParaRPr>
           </a:p>
@@ -7208,6 +7215,18 @@
               <a:buFont typeface="Arial" panose="020B0604020202020204" pitchFamily="34" charset="0"/>
               <a:buChar char="•"/>
             </a:pPr>
+            <a:r>
+              <a:rPr lang="ko-KR" altLang="en-US" sz="1200" dirty="0" smtClean="0">
+                <a:latin typeface="+mn-ea"/>
+              </a:rPr>
+              <a:t>중복적으로 스타일을 </a:t>
+            </a:r>
+            <a:r>
+              <a:rPr lang="ko-KR" altLang="en-US" sz="1200" dirty="0" err="1" smtClean="0">
+                <a:latin typeface="+mn-ea"/>
+              </a:rPr>
+              <a:t>바꿔야할때</a:t>
+            </a:r>
             <a:endParaRPr lang="en-US" altLang="ko-KR" sz="1200" dirty="0">
               <a:latin typeface="+mn-ea"/>
             </a:endParaRPr>
@@ -7229,7 +7248,7 @@
           <p:cNvPr id="18" name="TextBox 17">
             <a:extLst>
               <a:ext uri="{FF2B5EF4-FFF2-40B4-BE49-F238E27FC236}">
-                <a16:creationId xmlns:a16="http://schemas.microsoft.com/office/drawing/2014/main" id="{065F9332-1910-41A7-A2B4-4CBC19C4CE1E}"/>
+                <a16:creationId xmlns:a16="http://schemas.microsoft.com/office/drawing/2014/main" xmlns="" id="{065F9332-1910-41A7-A2B4-4CBC19C4CE1E}"/>
               </a:ext>
             </a:extLst>
           </p:cNvPr>
@@ -7268,7 +7287,7 @@
           <p:cNvPr id="19" name="TextBox 18">
             <a:extLst>
               <a:ext uri="{FF2B5EF4-FFF2-40B4-BE49-F238E27FC236}">
-                <a16:creationId xmlns:a16="http://schemas.microsoft.com/office/drawing/2014/main" id="{EB373FF6-F2A2-4F60-9AF3-C80583F2D483}"/>
+                <a16:creationId xmlns:a16="http://schemas.microsoft.com/office/drawing/2014/main" xmlns="" id="{EB373FF6-F2A2-4F60-9AF3-C80583F2D483}"/>
               </a:ext>
             </a:extLst>
           </p:cNvPr>
@@ -7417,7 +7436,7 @@
           <p:cNvPr id="5" name="그림 4">
             <a:extLst>
               <a:ext uri="{FF2B5EF4-FFF2-40B4-BE49-F238E27FC236}">
-                <a16:creationId xmlns:a16="http://schemas.microsoft.com/office/drawing/2014/main" id="{EAD5AD12-0416-4699-AE4F-77F269ED9E96}"/>
+                <a16:creationId xmlns:a16="http://schemas.microsoft.com/office/drawing/2014/main" xmlns="" id="{EAD5AD12-0416-4699-AE4F-77F269ED9E96}"/>
               </a:ext>
             </a:extLst>
           </p:cNvPr>
@@ -7434,7 +7453,7 @@
         </p:blipFill>
         <p:spPr>
           <a:xfrm>
-            <a:off x="863725" y="2517729"/>
+            <a:off x="3579387" y="2499660"/>
             <a:ext cx="2299502" cy="279575"/>
           </a:xfrm>
           <a:prstGeom prst="rect">
@@ -7447,7 +7466,7 @@
           <p:cNvPr id="8" name="그림 7">
             <a:extLst>
               <a:ext uri="{FF2B5EF4-FFF2-40B4-BE49-F238E27FC236}">
-                <a16:creationId xmlns:a16="http://schemas.microsoft.com/office/drawing/2014/main" id="{F82E352A-7808-4D0C-94AE-8C8443CF9908}"/>
+                <a16:creationId xmlns:a16="http://schemas.microsoft.com/office/drawing/2014/main" xmlns="" id="{F82E352A-7808-4D0C-94AE-8C8443CF9908}"/>
               </a:ext>
             </a:extLst>
           </p:cNvPr>
@@ -7477,7 +7496,7 @@
           <p:cNvPr id="12" name="그림 11">
             <a:extLst>
               <a:ext uri="{FF2B5EF4-FFF2-40B4-BE49-F238E27FC236}">
-                <a16:creationId xmlns:a16="http://schemas.microsoft.com/office/drawing/2014/main" id="{8FAE1B5C-B8A4-4DC0-BE54-4E1520AFF6EB}"/>
+                <a16:creationId xmlns:a16="http://schemas.microsoft.com/office/drawing/2014/main" xmlns="" id="{8FAE1B5C-B8A4-4DC0-BE54-4E1520AFF6EB}"/>
               </a:ext>
             </a:extLst>
           </p:cNvPr>
@@ -7507,7 +7526,7 @@
           <p:cNvPr id="17" name="그림 16">
             <a:extLst>
               <a:ext uri="{FF2B5EF4-FFF2-40B4-BE49-F238E27FC236}">
-                <a16:creationId xmlns:a16="http://schemas.microsoft.com/office/drawing/2014/main" id="{5885EDDC-9622-40C1-B791-E325E9033DE7}"/>
+                <a16:creationId xmlns:a16="http://schemas.microsoft.com/office/drawing/2014/main" xmlns="" id="{5885EDDC-9622-40C1-B791-E325E9033DE7}"/>
               </a:ext>
             </a:extLst>
           </p:cNvPr>
@@ -7537,7 +7556,7 @@
           <p:cNvPr id="22" name="그림 21">
             <a:extLst>
               <a:ext uri="{FF2B5EF4-FFF2-40B4-BE49-F238E27FC236}">
-                <a16:creationId xmlns:a16="http://schemas.microsoft.com/office/drawing/2014/main" id="{5A72A758-31FF-4383-BC78-E7E51B5E27A8}"/>
+                <a16:creationId xmlns:a16="http://schemas.microsoft.com/office/drawing/2014/main" xmlns="" id="{5A72A758-31FF-4383-BC78-E7E51B5E27A8}"/>
               </a:ext>
             </a:extLst>
           </p:cNvPr>
@@ -7566,7 +7585,7 @@
           <p:cNvPr id="24" name="그림 23">
             <a:extLst>
               <a:ext uri="{FF2B5EF4-FFF2-40B4-BE49-F238E27FC236}">
-                <a16:creationId xmlns:a16="http://schemas.microsoft.com/office/drawing/2014/main" id="{464AF665-D3A5-4D3E-937E-9E611B9B14E2}"/>
+                <a16:creationId xmlns:a16="http://schemas.microsoft.com/office/drawing/2014/main" xmlns="" id="{464AF665-D3A5-4D3E-937E-9E611B9B14E2}"/>
               </a:ext>
             </a:extLst>
           </p:cNvPr>
@@ -7759,7 +7778,7 @@
           <p:cNvPr id="6" name="그림 5">
             <a:extLst>
               <a:ext uri="{FF2B5EF4-FFF2-40B4-BE49-F238E27FC236}">
-                <a16:creationId xmlns:a16="http://schemas.microsoft.com/office/drawing/2014/main" id="{C00CC067-A399-4676-A3EB-D004D946CA92}"/>
+                <a16:creationId xmlns:a16="http://schemas.microsoft.com/office/drawing/2014/main" xmlns="" id="{C00CC067-A399-4676-A3EB-D004D946CA92}"/>
               </a:ext>
             </a:extLst>
           </p:cNvPr>
@@ -7789,7 +7808,7 @@
           <p:cNvPr id="10" name="그림 9">
             <a:extLst>
               <a:ext uri="{FF2B5EF4-FFF2-40B4-BE49-F238E27FC236}">
-                <a16:creationId xmlns:a16="http://schemas.microsoft.com/office/drawing/2014/main" id="{09F6C272-58A6-459E-A501-67A21ED1568F}"/>
+                <a16:creationId xmlns:a16="http://schemas.microsoft.com/office/drawing/2014/main" xmlns="" id="{09F6C272-58A6-459E-A501-67A21ED1568F}"/>
               </a:ext>
             </a:extLst>
           </p:cNvPr>
@@ -7819,7 +7838,7 @@
           <p:cNvPr id="13" name="그림 12">
             <a:extLst>
               <a:ext uri="{FF2B5EF4-FFF2-40B4-BE49-F238E27FC236}">
-                <a16:creationId xmlns:a16="http://schemas.microsoft.com/office/drawing/2014/main" id="{D9760856-775F-4595-91EC-34A0AB683877}"/>
+                <a16:creationId xmlns:a16="http://schemas.microsoft.com/office/drawing/2014/main" xmlns="" id="{D9760856-775F-4595-91EC-34A0AB683877}"/>
               </a:ext>
             </a:extLst>
           </p:cNvPr>
@@ -7849,7 +7868,7 @@
           <p:cNvPr id="14" name="화살표: 오른쪽 13">
             <a:extLst>
               <a:ext uri="{FF2B5EF4-FFF2-40B4-BE49-F238E27FC236}">
-                <a16:creationId xmlns:a16="http://schemas.microsoft.com/office/drawing/2014/main" id="{7C779F06-EE19-4827-BD83-D5A2F55BCE52}"/>
+                <a16:creationId xmlns:a16="http://schemas.microsoft.com/office/drawing/2014/main" xmlns="" id="{7C779F06-EE19-4827-BD83-D5A2F55BCE52}"/>
               </a:ext>
             </a:extLst>
           </p:cNvPr>
@@ -7974,7 +7993,7 @@
           <p:cNvPr id="9" name="직사각형 8">
             <a:extLst>
               <a:ext uri="{FF2B5EF4-FFF2-40B4-BE49-F238E27FC236}">
-                <a16:creationId xmlns:a16="http://schemas.microsoft.com/office/drawing/2014/main" id="{6CAAC8D3-BC2C-4B56-A420-BFD0EAF9BCAC}"/>
+                <a16:creationId xmlns:a16="http://schemas.microsoft.com/office/drawing/2014/main" xmlns="" id="{6CAAC8D3-BC2C-4B56-A420-BFD0EAF9BCAC}"/>
               </a:ext>
             </a:extLst>
           </p:cNvPr>
@@ -8086,7 +8105,7 @@
           <p:cNvPr id="11" name="TextBox 10">
             <a:extLst>
               <a:ext uri="{FF2B5EF4-FFF2-40B4-BE49-F238E27FC236}">
-                <a16:creationId xmlns:a16="http://schemas.microsoft.com/office/drawing/2014/main" id="{B57BAC3A-3F62-404B-B220-B4BA68526575}"/>
+                <a16:creationId xmlns:a16="http://schemas.microsoft.com/office/drawing/2014/main" xmlns="" id="{B57BAC3A-3F62-404B-B220-B4BA68526575}"/>
               </a:ext>
             </a:extLst>
           </p:cNvPr>
@@ -8137,7 +8156,7 @@
           <p:cNvPr id="15" name="직사각형 14">
             <a:extLst>
               <a:ext uri="{FF2B5EF4-FFF2-40B4-BE49-F238E27FC236}">
-                <a16:creationId xmlns:a16="http://schemas.microsoft.com/office/drawing/2014/main" id="{78CD0BEF-C7B5-4A0A-AFE4-80AB6C0F7CFE}"/>
+                <a16:creationId xmlns:a16="http://schemas.microsoft.com/office/drawing/2014/main" xmlns="" id="{78CD0BEF-C7B5-4A0A-AFE4-80AB6C0F7CFE}"/>
               </a:ext>
             </a:extLst>
           </p:cNvPr>
@@ -8294,7 +8313,7 @@
           <p:cNvPr id="16" name="직사각형 15">
             <a:extLst>
               <a:ext uri="{FF2B5EF4-FFF2-40B4-BE49-F238E27FC236}">
-                <a16:creationId xmlns:a16="http://schemas.microsoft.com/office/drawing/2014/main" id="{5C52F4BF-D89D-4AB2-8AA4-0D72A63C8B75}"/>
+                <a16:creationId xmlns:a16="http://schemas.microsoft.com/office/drawing/2014/main" xmlns="" id="{5C52F4BF-D89D-4AB2-8AA4-0D72A63C8B75}"/>
               </a:ext>
             </a:extLst>
           </p:cNvPr>
@@ -8417,7 +8436,7 @@
           <p:cNvPr id="8" name="TextBox 7">
             <a:extLst>
               <a:ext uri="{FF2B5EF4-FFF2-40B4-BE49-F238E27FC236}">
-                <a16:creationId xmlns:a16="http://schemas.microsoft.com/office/drawing/2014/main" id="{B4B9EC71-E230-4908-868D-1E1708530299}"/>
+                <a16:creationId xmlns:a16="http://schemas.microsoft.com/office/drawing/2014/main" xmlns="" id="{B4B9EC71-E230-4908-868D-1E1708530299}"/>
               </a:ext>
             </a:extLst>
           </p:cNvPr>
@@ -8472,7 +8491,7 @@
           <p:cNvPr id="10" name="TextBox 9">
             <a:extLst>
               <a:ext uri="{FF2B5EF4-FFF2-40B4-BE49-F238E27FC236}">
-                <a16:creationId xmlns:a16="http://schemas.microsoft.com/office/drawing/2014/main" id="{6FB9E551-64CF-4116-A435-F366A2BF3097}"/>
+                <a16:creationId xmlns:a16="http://schemas.microsoft.com/office/drawing/2014/main" xmlns="" id="{6FB9E551-64CF-4116-A435-F366A2BF3097}"/>
               </a:ext>
             </a:extLst>
           </p:cNvPr>
@@ -8511,7 +8530,7 @@
           <p:cNvPr id="13" name="직사각형 12">
             <a:extLst>
               <a:ext uri="{FF2B5EF4-FFF2-40B4-BE49-F238E27FC236}">
-                <a16:creationId xmlns:a16="http://schemas.microsoft.com/office/drawing/2014/main" id="{0CE161A9-AB82-48F4-819B-298341BEDF46}"/>
+                <a16:creationId xmlns:a16="http://schemas.microsoft.com/office/drawing/2014/main" xmlns="" id="{0CE161A9-AB82-48F4-819B-298341BEDF46}"/>
               </a:ext>
             </a:extLst>
           </p:cNvPr>
@@ -8570,7 +8589,7 @@
           <p:cNvPr id="17" name="직사각형 16">
             <a:extLst>
               <a:ext uri="{FF2B5EF4-FFF2-40B4-BE49-F238E27FC236}">
-                <a16:creationId xmlns:a16="http://schemas.microsoft.com/office/drawing/2014/main" id="{E7D14961-6AF7-425D-8E4B-F42E44231ACD}"/>
+                <a16:creationId xmlns:a16="http://schemas.microsoft.com/office/drawing/2014/main" xmlns="" id="{E7D14961-6AF7-425D-8E4B-F42E44231ACD}"/>
               </a:ext>
             </a:extLst>
           </p:cNvPr>
@@ -8629,7 +8648,7 @@
           <p:cNvPr id="19" name="직사각형 18">
             <a:extLst>
               <a:ext uri="{FF2B5EF4-FFF2-40B4-BE49-F238E27FC236}">
-                <a16:creationId xmlns:a16="http://schemas.microsoft.com/office/drawing/2014/main" id="{5BDC42E9-E651-43EF-888A-AF81982A514C}"/>
+                <a16:creationId xmlns:a16="http://schemas.microsoft.com/office/drawing/2014/main" xmlns="" id="{5BDC42E9-E651-43EF-888A-AF81982A514C}"/>
               </a:ext>
             </a:extLst>
           </p:cNvPr>
@@ -8688,7 +8707,7 @@
           <p:cNvPr id="21" name="아래쪽 화살표 46">
             <a:extLst>
               <a:ext uri="{FF2B5EF4-FFF2-40B4-BE49-F238E27FC236}">
-                <a16:creationId xmlns:a16="http://schemas.microsoft.com/office/drawing/2014/main" id="{2B937DCD-84A8-45C0-A586-3299EC70598E}"/>
+                <a16:creationId xmlns:a16="http://schemas.microsoft.com/office/drawing/2014/main" xmlns="" id="{2B937DCD-84A8-45C0-A586-3299EC70598E}"/>
               </a:ext>
             </a:extLst>
           </p:cNvPr>
@@ -8745,7 +8764,7 @@
           <p:cNvPr id="23" name="아래쪽 화살표 48">
             <a:extLst>
               <a:ext uri="{FF2B5EF4-FFF2-40B4-BE49-F238E27FC236}">
-                <a16:creationId xmlns:a16="http://schemas.microsoft.com/office/drawing/2014/main" id="{572ED603-27E7-4B47-92BD-457D4BE7BF8D}"/>
+                <a16:creationId xmlns:a16="http://schemas.microsoft.com/office/drawing/2014/main" xmlns="" id="{572ED603-27E7-4B47-92BD-457D4BE7BF8D}"/>
               </a:ext>
             </a:extLst>
           </p:cNvPr>
@@ -8802,7 +8821,7 @@
           <p:cNvPr id="24" name="그룹 23">
             <a:extLst>
               <a:ext uri="{FF2B5EF4-FFF2-40B4-BE49-F238E27FC236}">
-                <a16:creationId xmlns:a16="http://schemas.microsoft.com/office/drawing/2014/main" id="{0F57B7C6-586C-437E-9C10-C64225007086}"/>
+                <a16:creationId xmlns:a16="http://schemas.microsoft.com/office/drawing/2014/main" xmlns="" id="{0F57B7C6-586C-437E-9C10-C64225007086}"/>
               </a:ext>
             </a:extLst>
           </p:cNvPr>
@@ -8822,7 +8841,7 @@
             <p:cNvPr id="25" name="TextBox 24">
               <a:extLst>
                 <a:ext uri="{FF2B5EF4-FFF2-40B4-BE49-F238E27FC236}">
-                  <a16:creationId xmlns:a16="http://schemas.microsoft.com/office/drawing/2014/main" id="{7468D79F-5EA8-4EE1-BB37-E220C2C20EA8}"/>
+                  <a16:creationId xmlns:a16="http://schemas.microsoft.com/office/drawing/2014/main" xmlns="" id="{7468D79F-5EA8-4EE1-BB37-E220C2C20EA8}"/>
                 </a:ext>
               </a:extLst>
             </p:cNvPr>
@@ -8877,7 +8896,7 @@
             <p:cNvPr id="26" name="직사각형 25">
               <a:extLst>
                 <a:ext uri="{FF2B5EF4-FFF2-40B4-BE49-F238E27FC236}">
-                  <a16:creationId xmlns:a16="http://schemas.microsoft.com/office/drawing/2014/main" id="{B0B6AF05-AF5C-457F-83A2-F1554FB8314E}"/>
+                  <a16:creationId xmlns:a16="http://schemas.microsoft.com/office/drawing/2014/main" xmlns="" id="{B0B6AF05-AF5C-457F-83A2-F1554FB8314E}"/>
                 </a:ext>
               </a:extLst>
             </p:cNvPr>
@@ -8931,7 +8950,7 @@
             <p:cNvPr id="27" name="구부러진 연결선 52">
               <a:extLst>
                 <a:ext uri="{FF2B5EF4-FFF2-40B4-BE49-F238E27FC236}">
-                  <a16:creationId xmlns:a16="http://schemas.microsoft.com/office/drawing/2014/main" id="{BDFE7ABB-EF92-4178-B115-1A8CBE007252}"/>
+                  <a16:creationId xmlns:a16="http://schemas.microsoft.com/office/drawing/2014/main" xmlns="" id="{BDFE7ABB-EF92-4178-B115-1A8CBE007252}"/>
                 </a:ext>
               </a:extLst>
             </p:cNvPr>
@@ -8981,7 +9000,7 @@
           <p:cNvPr id="28" name="그룹 27">
             <a:extLst>
               <a:ext uri="{FF2B5EF4-FFF2-40B4-BE49-F238E27FC236}">
-                <a16:creationId xmlns:a16="http://schemas.microsoft.com/office/drawing/2014/main" id="{1B33496F-FC51-4E54-BCDA-64C4377216AC}"/>
+                <a16:creationId xmlns:a16="http://schemas.microsoft.com/office/drawing/2014/main" xmlns="" id="{1B33496F-FC51-4E54-BCDA-64C4377216AC}"/>
               </a:ext>
             </a:extLst>
           </p:cNvPr>
@@ -9001,7 +9020,7 @@
             <p:cNvPr id="29" name="직사각형 28">
               <a:extLst>
                 <a:ext uri="{FF2B5EF4-FFF2-40B4-BE49-F238E27FC236}">
-                  <a16:creationId xmlns:a16="http://schemas.microsoft.com/office/drawing/2014/main" id="{22A9BC3A-E5C8-4D8D-83C2-FFF62AF59D87}"/>
+                  <a16:creationId xmlns:a16="http://schemas.microsoft.com/office/drawing/2014/main" xmlns="" id="{22A9BC3A-E5C8-4D8D-83C2-FFF62AF59D87}"/>
                 </a:ext>
               </a:extLst>
             </p:cNvPr>
@@ -9055,7 +9074,7 @@
             <p:cNvPr id="30" name="TextBox 29">
               <a:extLst>
                 <a:ext uri="{FF2B5EF4-FFF2-40B4-BE49-F238E27FC236}">
-                  <a16:creationId xmlns:a16="http://schemas.microsoft.com/office/drawing/2014/main" id="{6FBCF2E9-3EC6-4B26-A1FF-86AC38C9E99A}"/>
+                  <a16:creationId xmlns:a16="http://schemas.microsoft.com/office/drawing/2014/main" xmlns="" id="{6FBCF2E9-3EC6-4B26-A1FF-86AC38C9E99A}"/>
                 </a:ext>
               </a:extLst>
             </p:cNvPr>
@@ -9094,7 +9113,7 @@
             <p:cNvPr id="31" name="구부러진 연결선 57">
               <a:extLst>
                 <a:ext uri="{FF2B5EF4-FFF2-40B4-BE49-F238E27FC236}">
-                  <a16:creationId xmlns:a16="http://schemas.microsoft.com/office/drawing/2014/main" id="{BC8696BC-53FA-4DA7-A1DE-9A9615BF43D9}"/>
+                  <a16:creationId xmlns:a16="http://schemas.microsoft.com/office/drawing/2014/main" xmlns="" id="{BC8696BC-53FA-4DA7-A1DE-9A9615BF43D9}"/>
                 </a:ext>
               </a:extLst>
             </p:cNvPr>
@@ -9144,7 +9163,7 @@
           <p:cNvPr id="32" name="그룹 31">
             <a:extLst>
               <a:ext uri="{FF2B5EF4-FFF2-40B4-BE49-F238E27FC236}">
-                <a16:creationId xmlns:a16="http://schemas.microsoft.com/office/drawing/2014/main" id="{4FC94868-6894-47C0-9578-7729BCCDD1E9}"/>
+                <a16:creationId xmlns:a16="http://schemas.microsoft.com/office/drawing/2014/main" xmlns="" id="{4FC94868-6894-47C0-9578-7729BCCDD1E9}"/>
               </a:ext>
             </a:extLst>
           </p:cNvPr>
@@ -9164,7 +9183,7 @@
             <p:cNvPr id="33" name="직사각형 32">
               <a:extLst>
                 <a:ext uri="{FF2B5EF4-FFF2-40B4-BE49-F238E27FC236}">
-                  <a16:creationId xmlns:a16="http://schemas.microsoft.com/office/drawing/2014/main" id="{22734072-1281-4A75-8156-874AB6A6FFFF}"/>
+                  <a16:creationId xmlns:a16="http://schemas.microsoft.com/office/drawing/2014/main" xmlns="" id="{22734072-1281-4A75-8156-874AB6A6FFFF}"/>
                 </a:ext>
               </a:extLst>
             </p:cNvPr>
@@ -9218,7 +9237,7 @@
             <p:cNvPr id="34" name="TextBox 33">
               <a:extLst>
                 <a:ext uri="{FF2B5EF4-FFF2-40B4-BE49-F238E27FC236}">
-                  <a16:creationId xmlns:a16="http://schemas.microsoft.com/office/drawing/2014/main" id="{3E78A12F-A79D-4900-9054-3291F91BAFA5}"/>
+                  <a16:creationId xmlns:a16="http://schemas.microsoft.com/office/drawing/2014/main" xmlns="" id="{3E78A12F-A79D-4900-9054-3291F91BAFA5}"/>
                 </a:ext>
               </a:extLst>
             </p:cNvPr>
@@ -9257,7 +9276,7 @@
             <p:cNvPr id="35" name="구부러진 연결선 66">
               <a:extLst>
                 <a:ext uri="{FF2B5EF4-FFF2-40B4-BE49-F238E27FC236}">
-                  <a16:creationId xmlns:a16="http://schemas.microsoft.com/office/drawing/2014/main" id="{0A4074B9-00D9-4D52-A1ED-5C2256C3D5E5}"/>
+                  <a16:creationId xmlns:a16="http://schemas.microsoft.com/office/drawing/2014/main" xmlns="" id="{0A4074B9-00D9-4D52-A1ED-5C2256C3D5E5}"/>
                 </a:ext>
               </a:extLst>
             </p:cNvPr>
@@ -9306,7 +9325,7 @@
           <p:cNvPr id="38" name="TextBox 37">
             <a:extLst>
               <a:ext uri="{FF2B5EF4-FFF2-40B4-BE49-F238E27FC236}">
-                <a16:creationId xmlns:a16="http://schemas.microsoft.com/office/drawing/2014/main" id="{6251C851-FE46-4ADB-88E7-27AA99ABC818}"/>
+                <a16:creationId xmlns:a16="http://schemas.microsoft.com/office/drawing/2014/main" xmlns="" id="{6251C851-FE46-4ADB-88E7-27AA99ABC818}"/>
               </a:ext>
             </a:extLst>
           </p:cNvPr>
@@ -9353,7 +9372,7 @@
           <p:cNvPr id="39" name="직사각형 38">
             <a:extLst>
               <a:ext uri="{FF2B5EF4-FFF2-40B4-BE49-F238E27FC236}">
-                <a16:creationId xmlns:a16="http://schemas.microsoft.com/office/drawing/2014/main" id="{4127C290-7E35-4503-BCF0-93C7243D6B9D}"/>
+                <a16:creationId xmlns:a16="http://schemas.microsoft.com/office/drawing/2014/main" xmlns="" id="{4127C290-7E35-4503-BCF0-93C7243D6B9D}"/>
               </a:ext>
             </a:extLst>
           </p:cNvPr>
@@ -9412,7 +9431,7 @@
           <p:cNvPr id="40" name="직사각형 39">
             <a:extLst>
               <a:ext uri="{FF2B5EF4-FFF2-40B4-BE49-F238E27FC236}">
-                <a16:creationId xmlns:a16="http://schemas.microsoft.com/office/drawing/2014/main" id="{CC6D866A-5001-4EA9-8785-3475B110C4B5}"/>
+                <a16:creationId xmlns:a16="http://schemas.microsoft.com/office/drawing/2014/main" xmlns="" id="{CC6D866A-5001-4EA9-8785-3475B110C4B5}"/>
               </a:ext>
             </a:extLst>
           </p:cNvPr>
@@ -9479,7 +9498,7 @@
           <p:cNvPr id="41" name="직사각형 40">
             <a:extLst>
               <a:ext uri="{FF2B5EF4-FFF2-40B4-BE49-F238E27FC236}">
-                <a16:creationId xmlns:a16="http://schemas.microsoft.com/office/drawing/2014/main" id="{4BF1713B-3286-4DEC-85A7-3DE8A6029B87}"/>
+                <a16:creationId xmlns:a16="http://schemas.microsoft.com/office/drawing/2014/main" xmlns="" id="{4BF1713B-3286-4DEC-85A7-3DE8A6029B87}"/>
               </a:ext>
             </a:extLst>
           </p:cNvPr>
@@ -9554,7 +9573,7 @@
           <p:cNvPr id="42" name="직사각형 41">
             <a:extLst>
               <a:ext uri="{FF2B5EF4-FFF2-40B4-BE49-F238E27FC236}">
-                <a16:creationId xmlns:a16="http://schemas.microsoft.com/office/drawing/2014/main" id="{801346AA-7397-4490-8487-49F2A2A8D0B2}"/>
+                <a16:creationId xmlns:a16="http://schemas.microsoft.com/office/drawing/2014/main" xmlns="" id="{801346AA-7397-4490-8487-49F2A2A8D0B2}"/>
               </a:ext>
             </a:extLst>
           </p:cNvPr>
@@ -9613,7 +9632,7 @@
           <p:cNvPr id="43" name="아래쪽 화살표 45">
             <a:extLst>
               <a:ext uri="{FF2B5EF4-FFF2-40B4-BE49-F238E27FC236}">
-                <a16:creationId xmlns:a16="http://schemas.microsoft.com/office/drawing/2014/main" id="{B2E837FF-3D2F-4699-9CB0-D39EA3C9AEA9}"/>
+                <a16:creationId xmlns:a16="http://schemas.microsoft.com/office/drawing/2014/main" xmlns="" id="{B2E837FF-3D2F-4699-9CB0-D39EA3C9AEA9}"/>
               </a:ext>
             </a:extLst>
           </p:cNvPr>
@@ -9670,7 +9689,7 @@
           <p:cNvPr id="44" name="아래쪽 화살표 46">
             <a:extLst>
               <a:ext uri="{FF2B5EF4-FFF2-40B4-BE49-F238E27FC236}">
-                <a16:creationId xmlns:a16="http://schemas.microsoft.com/office/drawing/2014/main" id="{483D7D1B-948A-417B-807A-C57300900BC4}"/>
+                <a16:creationId xmlns:a16="http://schemas.microsoft.com/office/drawing/2014/main" xmlns="" id="{483D7D1B-948A-417B-807A-C57300900BC4}"/>
               </a:ext>
             </a:extLst>
           </p:cNvPr>
@@ -9727,7 +9746,7 @@
           <p:cNvPr id="45" name="아래쪽 화살표 47">
             <a:extLst>
               <a:ext uri="{FF2B5EF4-FFF2-40B4-BE49-F238E27FC236}">
-                <a16:creationId xmlns:a16="http://schemas.microsoft.com/office/drawing/2014/main" id="{15343448-13CE-4125-B882-2E8D1F6C1E34}"/>
+                <a16:creationId xmlns:a16="http://schemas.microsoft.com/office/drawing/2014/main" xmlns="" id="{15343448-13CE-4125-B882-2E8D1F6C1E34}"/>
               </a:ext>
             </a:extLst>
           </p:cNvPr>
@@ -9784,7 +9803,7 @@
           <p:cNvPr id="46" name="TextBox 45">
             <a:extLst>
               <a:ext uri="{FF2B5EF4-FFF2-40B4-BE49-F238E27FC236}">
-                <a16:creationId xmlns:a16="http://schemas.microsoft.com/office/drawing/2014/main" id="{E08ABB5C-EA64-4AC4-A5C7-534CEB39CBE6}"/>
+                <a16:creationId xmlns:a16="http://schemas.microsoft.com/office/drawing/2014/main" xmlns="" id="{E08ABB5C-EA64-4AC4-A5C7-534CEB39CBE6}"/>
               </a:ext>
             </a:extLst>
           </p:cNvPr>
@@ -9828,7 +9847,7 @@
           <p:cNvPr id="47" name="TextBox 46">
             <a:extLst>
               <a:ext uri="{FF2B5EF4-FFF2-40B4-BE49-F238E27FC236}">
-                <a16:creationId xmlns:a16="http://schemas.microsoft.com/office/drawing/2014/main" id="{FA3FB585-7C25-4356-9163-F66E12E4850D}"/>
+                <a16:creationId xmlns:a16="http://schemas.microsoft.com/office/drawing/2014/main" xmlns="" id="{FA3FB585-7C25-4356-9163-F66E12E4850D}"/>
               </a:ext>
             </a:extLst>
           </p:cNvPr>
@@ -9895,7 +9914,7 @@
           <p:cNvPr id="48" name="TextBox 47">
             <a:extLst>
               <a:ext uri="{FF2B5EF4-FFF2-40B4-BE49-F238E27FC236}">
-                <a16:creationId xmlns:a16="http://schemas.microsoft.com/office/drawing/2014/main" id="{C3B40477-8F4A-4C0B-A0F0-DF4E371AD6CE}"/>
+                <a16:creationId xmlns:a16="http://schemas.microsoft.com/office/drawing/2014/main" xmlns="" id="{C3B40477-8F4A-4C0B-A0F0-DF4E371AD6CE}"/>
               </a:ext>
             </a:extLst>
           </p:cNvPr>
@@ -9962,7 +9981,7 @@
           <p:cNvPr id="49" name="TextBox 48">
             <a:extLst>
               <a:ext uri="{FF2B5EF4-FFF2-40B4-BE49-F238E27FC236}">
-                <a16:creationId xmlns:a16="http://schemas.microsoft.com/office/drawing/2014/main" id="{E52EA549-38B8-4DD0-9447-96F939586ACC}"/>
+                <a16:creationId xmlns:a16="http://schemas.microsoft.com/office/drawing/2014/main" xmlns="" id="{E52EA549-38B8-4DD0-9447-96F939586ACC}"/>
               </a:ext>
             </a:extLst>
           </p:cNvPr>
@@ -10026,7 +10045,7 @@
           <p:cNvPr id="50" name="TextBox 49">
             <a:extLst>
               <a:ext uri="{FF2B5EF4-FFF2-40B4-BE49-F238E27FC236}">
-                <a16:creationId xmlns:a16="http://schemas.microsoft.com/office/drawing/2014/main" id="{7C538168-BC25-495F-A012-2A65B4C8D576}"/>
+                <a16:creationId xmlns:a16="http://schemas.microsoft.com/office/drawing/2014/main" xmlns="" id="{7C538168-BC25-495F-A012-2A65B4C8D576}"/>
               </a:ext>
             </a:extLst>
           </p:cNvPr>
@@ -10065,7 +10084,7 @@
           <p:cNvPr id="51" name="직사각형 50">
             <a:extLst>
               <a:ext uri="{FF2B5EF4-FFF2-40B4-BE49-F238E27FC236}">
-                <a16:creationId xmlns:a16="http://schemas.microsoft.com/office/drawing/2014/main" id="{9633FF70-045F-4E9B-B06B-8406D39B68D4}"/>
+                <a16:creationId xmlns:a16="http://schemas.microsoft.com/office/drawing/2014/main" xmlns="" id="{9633FF70-045F-4E9B-B06B-8406D39B68D4}"/>
               </a:ext>
             </a:extLst>
           </p:cNvPr>
@@ -10129,7 +10148,7 @@
           <p:cNvPr id="52" name="직사각형 51">
             <a:extLst>
               <a:ext uri="{FF2B5EF4-FFF2-40B4-BE49-F238E27FC236}">
-                <a16:creationId xmlns:a16="http://schemas.microsoft.com/office/drawing/2014/main" id="{74332B89-97AE-43BF-85A4-9A74D0E2A40B}"/>
+                <a16:creationId xmlns:a16="http://schemas.microsoft.com/office/drawing/2014/main" xmlns="" id="{74332B89-97AE-43BF-85A4-9A74D0E2A40B}"/>
               </a:ext>
             </a:extLst>
           </p:cNvPr>
@@ -10193,7 +10212,7 @@
           <p:cNvPr id="53" name="TextBox 52">
             <a:extLst>
               <a:ext uri="{FF2B5EF4-FFF2-40B4-BE49-F238E27FC236}">
-                <a16:creationId xmlns:a16="http://schemas.microsoft.com/office/drawing/2014/main" id="{BFCA96F8-E7D6-4EE1-9229-81A1FAE2EEDB}"/>
+                <a16:creationId xmlns:a16="http://schemas.microsoft.com/office/drawing/2014/main" xmlns="" id="{BFCA96F8-E7D6-4EE1-9229-81A1FAE2EEDB}"/>
               </a:ext>
             </a:extLst>
           </p:cNvPr>
@@ -10237,7 +10256,7 @@
           <p:cNvPr id="54" name="아래쪽 화살표 45">
             <a:extLst>
               <a:ext uri="{FF2B5EF4-FFF2-40B4-BE49-F238E27FC236}">
-                <a16:creationId xmlns:a16="http://schemas.microsoft.com/office/drawing/2014/main" id="{67D699E7-256A-448E-9DF4-FC4D253026B8}"/>
+                <a16:creationId xmlns:a16="http://schemas.microsoft.com/office/drawing/2014/main" xmlns="" id="{67D699E7-256A-448E-9DF4-FC4D253026B8}"/>
               </a:ext>
             </a:extLst>
           </p:cNvPr>
@@ -10591,7 +10610,7 @@
   <a:extraClrSchemeLst/>
   <a:extLst>
     <a:ext uri="{05A4C25C-085E-4340-85A3-A5531E510DB2}">
-      <thm15:themeFamily xmlns:thm15="http://schemas.microsoft.com/office/thememl/2012/main" name="HCJ" id="{0138D6AD-1EF3-49F9-B0E7-D994D6EA1170}" vid="{0129D1E7-6EDF-4F3F-8503-6FA2AFD39B8A}"/>
+      <thm15:themeFamily xmlns:thm15="http://schemas.microsoft.com/office/thememl/2012/main" xmlns="" name="HCJ" id="{0138D6AD-1EF3-49F9-B0E7-D994D6EA1170}" vid="{0129D1E7-6EDF-4F3F-8503-6FA2AFD39B8A}"/>
     </a:ext>
   </a:extLst>
 </a:theme>
